--- a/slides/07-mathematical-operators.pptx
+++ b/slides/07-mathematical-operators.pptx
@@ -5,7 +5,7 @@
     <p:sldMasterId id="2147483852" r:id="rId1"/>
   </p:sldMasterIdLst>
   <p:notesMasterIdLst>
-    <p:notesMasterId r:id="rId30"/>
+    <p:notesMasterId r:id="rId24"/>
   </p:notesMasterIdLst>
   <p:sldIdLst>
     <p:sldId id="256" r:id="rId2"/>
@@ -16,26 +16,20 @@
     <p:sldId id="395" r:id="rId7"/>
     <p:sldId id="338" r:id="rId8"/>
     <p:sldId id="368" r:id="rId9"/>
-    <p:sldId id="339" r:id="rId10"/>
-    <p:sldId id="341" r:id="rId11"/>
-    <p:sldId id="340" r:id="rId12"/>
-    <p:sldId id="337" r:id="rId13"/>
-    <p:sldId id="348" r:id="rId14"/>
-    <p:sldId id="349" r:id="rId15"/>
-    <p:sldId id="396" r:id="rId16"/>
-    <p:sldId id="350" r:id="rId17"/>
-    <p:sldId id="351" r:id="rId18"/>
-    <p:sldId id="352" r:id="rId19"/>
-    <p:sldId id="353" r:id="rId20"/>
-    <p:sldId id="397" r:id="rId21"/>
-    <p:sldId id="398" r:id="rId22"/>
-    <p:sldId id="399" r:id="rId23"/>
-    <p:sldId id="356" r:id="rId24"/>
-    <p:sldId id="357" r:id="rId25"/>
-    <p:sldId id="358" r:id="rId26"/>
-    <p:sldId id="359" r:id="rId27"/>
-    <p:sldId id="360" r:id="rId28"/>
-    <p:sldId id="369" r:id="rId29"/>
+    <p:sldId id="337" r:id="rId10"/>
+    <p:sldId id="348" r:id="rId11"/>
+    <p:sldId id="349" r:id="rId12"/>
+    <p:sldId id="396" r:id="rId13"/>
+    <p:sldId id="353" r:id="rId14"/>
+    <p:sldId id="397" r:id="rId15"/>
+    <p:sldId id="398" r:id="rId16"/>
+    <p:sldId id="399" r:id="rId17"/>
+    <p:sldId id="356" r:id="rId18"/>
+    <p:sldId id="357" r:id="rId19"/>
+    <p:sldId id="358" r:id="rId20"/>
+    <p:sldId id="359" r:id="rId21"/>
+    <p:sldId id="360" r:id="rId22"/>
+    <p:sldId id="369" r:id="rId23"/>
   </p:sldIdLst>
   <p:sldSz cx="12192000" cy="6858000"/>
   <p:notesSz cx="6858000" cy="9144000"/>
@@ -224,7 +218,7 @@
           <a:p>
             <a:fld id="{3CBB8A52-8AC5-C74C-97FB-632C448F3674}" type="datetimeFigureOut">
               <a:rPr lang="en-US" smtClean="0"/>
-              <a:t>9/20/23</a:t>
+              <a:t>1/29/24</a:t>
             </a:fld>
             <a:endParaRPr lang="en-US"/>
           </a:p>
@@ -546,7 +540,7 @@
             <a:spLocks noGrp="1"/>
           </p:cNvSpPr>
           <p:nvPr>
-            <p:ph type="sldNum" sz="quarter" idx="10"/>
+            <p:ph type="sldNum" sz="quarter" idx="5"/>
           </p:nvPr>
         </p:nvSpPr>
         <p:spPr/>
@@ -554,9 +548,9 @@
           <a:bodyPr/>
           <a:lstStyle/>
           <a:p>
-            <a:fld id="{77F12483-E947-6F4E-A75E-B2E677827779}" type="slidenum">
+            <a:fld id="{E666506D-5C9B-294C-B2AE-15ACE8B5B9F7}" type="slidenum">
               <a:rPr lang="en-US" smtClean="0"/>
-              <a:t>10</a:t>
+              <a:t>9</a:t>
             </a:fld>
             <a:endParaRPr lang="en-US"/>
           </a:p>
@@ -565,7 +559,7 @@
     </p:spTree>
     <p:extLst>
       <p:ext uri="{BB962C8B-B14F-4D97-AF65-F5344CB8AC3E}">
-        <p14:creationId xmlns:p14="http://schemas.microsoft.com/office/powerpoint/2010/main" val="1599996528"/>
+        <p14:creationId xmlns:p14="http://schemas.microsoft.com/office/powerpoint/2010/main" val="3790881809"/>
       </p:ext>
     </p:extLst>
   </p:cSld>
@@ -630,7 +624,7 @@
             <a:spLocks noGrp="1"/>
           </p:cNvSpPr>
           <p:nvPr>
-            <p:ph type="sldNum" sz="quarter" idx="5"/>
+            <p:ph type="sldNum" sz="quarter" idx="10"/>
           </p:nvPr>
         </p:nvSpPr>
         <p:spPr/>
@@ -638,9 +632,9 @@
           <a:bodyPr/>
           <a:lstStyle/>
           <a:p>
-            <a:fld id="{E666506D-5C9B-294C-B2AE-15ACE8B5B9F7}" type="slidenum">
+            <a:fld id="{77F12483-E947-6F4E-A75E-B2E677827779}" type="slidenum">
               <a:rPr lang="en-US" smtClean="0"/>
-              <a:t>12</a:t>
+              <a:t>10</a:t>
             </a:fld>
             <a:endParaRPr lang="en-US"/>
           </a:p>
@@ -649,7 +643,7 @@
     </p:spTree>
     <p:extLst>
       <p:ext uri="{BB962C8B-B14F-4D97-AF65-F5344CB8AC3E}">
-        <p14:creationId xmlns:p14="http://schemas.microsoft.com/office/powerpoint/2010/main" val="3790881809"/>
+        <p14:creationId xmlns:p14="http://schemas.microsoft.com/office/powerpoint/2010/main" val="1779202257"/>
       </p:ext>
     </p:extLst>
   </p:cSld>
@@ -724,91 +718,7 @@
           <a:p>
             <a:fld id="{77F12483-E947-6F4E-A75E-B2E677827779}" type="slidenum">
               <a:rPr lang="en-US" smtClean="0"/>
-              <a:t>13</a:t>
-            </a:fld>
-            <a:endParaRPr lang="en-US"/>
-          </a:p>
-        </p:txBody>
-      </p:sp>
-    </p:spTree>
-    <p:extLst>
-      <p:ext uri="{BB962C8B-B14F-4D97-AF65-F5344CB8AC3E}">
-        <p14:creationId xmlns:p14="http://schemas.microsoft.com/office/powerpoint/2010/main" val="1779202257"/>
-      </p:ext>
-    </p:extLst>
-  </p:cSld>
-  <p:clrMapOvr>
-    <a:masterClrMapping/>
-  </p:clrMapOvr>
-</p:notes>
-</file>
-
-<file path=ppt/notesSlides/notesSlide4.xml><?xml version="1.0" encoding="utf-8"?>
-<p:notes xmlns:a="http://schemas.openxmlformats.org/drawingml/2006/main" xmlns:r="http://schemas.openxmlformats.org/officeDocument/2006/relationships" xmlns:p="http://schemas.openxmlformats.org/presentationml/2006/main">
-  <p:cSld>
-    <p:spTree>
-      <p:nvGrpSpPr>
-        <p:cNvPr id="1" name=""/>
-        <p:cNvGrpSpPr/>
-        <p:nvPr/>
-      </p:nvGrpSpPr>
-      <p:grpSpPr>
-        <a:xfrm>
-          <a:off x="0" y="0"/>
-          <a:ext cx="0" cy="0"/>
-          <a:chOff x="0" y="0"/>
-          <a:chExt cx="0" cy="0"/>
-        </a:xfrm>
-      </p:grpSpPr>
-      <p:sp>
-        <p:nvSpPr>
-          <p:cNvPr id="2" name="Slide Image Placeholder 1"/>
-          <p:cNvSpPr>
-            <a:spLocks noGrp="1" noRot="1" noChangeAspect="1"/>
-          </p:cNvSpPr>
-          <p:nvPr>
-            <p:ph type="sldImg"/>
-          </p:nvPr>
-        </p:nvSpPr>
-        <p:spPr/>
-      </p:sp>
-      <p:sp>
-        <p:nvSpPr>
-          <p:cNvPr id="3" name="Notes Placeholder 2"/>
-          <p:cNvSpPr>
-            <a:spLocks noGrp="1"/>
-          </p:cNvSpPr>
-          <p:nvPr>
-            <p:ph type="body" idx="1"/>
-          </p:nvPr>
-        </p:nvSpPr>
-        <p:spPr/>
-        <p:txBody>
-          <a:bodyPr/>
-          <a:lstStyle/>
-          <a:p>
-            <a:endParaRPr lang="en-US" dirty="0"/>
-          </a:p>
-        </p:txBody>
-      </p:sp>
-      <p:sp>
-        <p:nvSpPr>
-          <p:cNvPr id="4" name="Slide Number Placeholder 3"/>
-          <p:cNvSpPr>
-            <a:spLocks noGrp="1"/>
-          </p:cNvSpPr>
-          <p:nvPr>
-            <p:ph type="sldNum" sz="quarter" idx="10"/>
-          </p:nvPr>
-        </p:nvSpPr>
-        <p:spPr/>
-        <p:txBody>
-          <a:bodyPr/>
-          <a:lstStyle/>
-          <a:p>
-            <a:fld id="{77F12483-E947-6F4E-A75E-B2E677827779}" type="slidenum">
-              <a:rPr lang="en-US" smtClean="0"/>
-              <a:t>28</a:t>
+              <a:t>22</a:t>
             </a:fld>
             <a:endParaRPr lang="en-US"/>
           </a:p>
@@ -1052,7 +962,7 @@
             <a:fld id="{5586B75A-687E-405C-8A0B-8D00578BA2C3}" type="datetimeFigureOut">
               <a:rPr lang="en-US" smtClean="0"/>
               <a:pPr/>
-              <a:t>9/20/23</a:t>
+              <a:t>1/29/24</a:t>
             </a:fld>
             <a:endParaRPr lang="en-US" dirty="0"/>
           </a:p>
@@ -1224,7 +1134,7 @@
             <a:fld id="{5586B75A-687E-405C-8A0B-8D00578BA2C3}" type="datetimeFigureOut">
               <a:rPr lang="en-US" smtClean="0"/>
               <a:pPr/>
-              <a:t>9/20/23</a:t>
+              <a:t>1/29/24</a:t>
             </a:fld>
             <a:endParaRPr lang="en-US" dirty="0"/>
           </a:p>
@@ -1406,7 +1316,7 @@
             <a:fld id="{5586B75A-687E-405C-8A0B-8D00578BA2C3}" type="datetimeFigureOut">
               <a:rPr lang="en-US" smtClean="0"/>
               <a:pPr/>
-              <a:t>9/20/23</a:t>
+              <a:t>1/29/24</a:t>
             </a:fld>
             <a:endParaRPr lang="en-US" dirty="0"/>
           </a:p>
@@ -1578,7 +1488,7 @@
             <a:fld id="{5586B75A-687E-405C-8A0B-8D00578BA2C3}" type="datetimeFigureOut">
               <a:rPr lang="en-US" smtClean="0"/>
               <a:pPr/>
-              <a:t>9/20/23</a:t>
+              <a:t>1/29/24</a:t>
             </a:fld>
             <a:endParaRPr lang="en-US" dirty="0"/>
           </a:p>
@@ -1834,7 +1744,7 @@
             <a:fld id="{5586B75A-687E-405C-8A0B-8D00578BA2C3}" type="datetimeFigureOut">
               <a:rPr lang="en-US" smtClean="0"/>
               <a:pPr/>
-              <a:t>9/20/23</a:t>
+              <a:t>1/29/24</a:t>
             </a:fld>
             <a:endParaRPr lang="en-US" dirty="0"/>
           </a:p>
@@ -2124,7 +2034,7 @@
             <a:fld id="{5586B75A-687E-405C-8A0B-8D00578BA2C3}" type="datetimeFigureOut">
               <a:rPr lang="en-US" smtClean="0"/>
               <a:pPr/>
-              <a:t>9/20/23</a:t>
+              <a:t>1/29/24</a:t>
             </a:fld>
             <a:endParaRPr lang="en-US" dirty="0"/>
           </a:p>
@@ -2568,7 +2478,7 @@
             <a:fld id="{5586B75A-687E-405C-8A0B-8D00578BA2C3}" type="datetimeFigureOut">
               <a:rPr lang="en-US" smtClean="0"/>
               <a:pPr/>
-              <a:t>9/20/23</a:t>
+              <a:t>1/29/24</a:t>
             </a:fld>
             <a:endParaRPr lang="en-US" dirty="0"/>
           </a:p>
@@ -2688,7 +2598,7 @@
             <a:fld id="{5586B75A-687E-405C-8A0B-8D00578BA2C3}" type="datetimeFigureOut">
               <a:rPr lang="en-US" smtClean="0"/>
               <a:pPr/>
-              <a:t>9/20/23</a:t>
+              <a:t>1/29/24</a:t>
             </a:fld>
             <a:endParaRPr lang="en-US" dirty="0"/>
           </a:p>
@@ -2785,7 +2695,7 @@
             <a:fld id="{5586B75A-687E-405C-8A0B-8D00578BA2C3}" type="datetimeFigureOut">
               <a:rPr lang="en-US" smtClean="0"/>
               <a:pPr/>
-              <a:t>9/20/23</a:t>
+              <a:t>1/29/24</a:t>
             </a:fld>
             <a:endParaRPr lang="en-US" dirty="0"/>
           </a:p>
@@ -3075,7 +2985,7 @@
             <a:fld id="{5586B75A-687E-405C-8A0B-8D00578BA2C3}" type="datetimeFigureOut">
               <a:rPr lang="en-US" smtClean="0"/>
               <a:pPr/>
-              <a:t>9/20/23</a:t>
+              <a:t>1/29/24</a:t>
             </a:fld>
             <a:endParaRPr lang="en-US" dirty="0"/>
           </a:p>
@@ -3350,7 +3260,7 @@
             <a:fld id="{5586B75A-687E-405C-8A0B-8D00578BA2C3}" type="datetimeFigureOut">
               <a:rPr lang="en-US" smtClean="0"/>
               <a:pPr/>
-              <a:t>9/20/23</a:t>
+              <a:t>1/29/24</a:t>
             </a:fld>
             <a:endParaRPr lang="en-US" dirty="0"/>
           </a:p>
@@ -3649,7 +3559,7 @@
             <a:fld id="{5586B75A-687E-405C-8A0B-8D00578BA2C3}" type="datetimeFigureOut">
               <a:rPr lang="en-US" smtClean="0"/>
               <a:pPr/>
-              <a:t>9/20/23</a:t>
+              <a:t>1/29/24</a:t>
             </a:fld>
             <a:endParaRPr lang="en-US" dirty="0"/>
           </a:p>
@@ -4152,13 +4062,13 @@
         <p:spPr/>
         <p:txBody>
           <a:bodyPr>
-            <a:normAutofit fontScale="90000"/>
+            <a:normAutofit/>
           </a:bodyPr>
           <a:lstStyle/>
           <a:p>
             <a:r>
               <a:rPr lang="en-US" dirty="0"/>
-              <a:t>Why Does My Computer Do That? Intro to Coding with Python– Mathematical Operators </a:t>
+              <a:t>Intro to Coding with Python– Mathematical Operators </a:t>
             </a:r>
           </a:p>
         </p:txBody>
@@ -4268,7 +4178,13 @@
       </p:grpSpPr>
       <p:sp>
         <p:nvSpPr>
-          <p:cNvPr id="2" name="Title 1"/>
+          <p:cNvPr id="2" name="Title 1">
+            <a:extLst>
+              <a:ext uri="{FF2B5EF4-FFF2-40B4-BE49-F238E27FC236}">
+                <a16:creationId xmlns:a16="http://schemas.microsoft.com/office/drawing/2014/main" id="{A46B6BE0-7660-A949-8AAF-53C550531CA4}"/>
+              </a:ext>
+            </a:extLst>
+          </p:cNvPr>
           <p:cNvSpPr>
             <a:spLocks noGrp="1"/>
           </p:cNvSpPr>
@@ -4282,15 +4198,25 @@
           <a:lstStyle/>
           <a:p>
             <a:r>
+              <a:rPr lang="en-US" b="1" dirty="0"/>
+              <a:t>15-minute exercise</a:t>
+            </a:r>
+            <a:r>
               <a:rPr lang="en-US" dirty="0"/>
-              <a:t>RECAP: Keywords</a:t>
-            </a:r>
-          </a:p>
-        </p:txBody>
-      </p:sp>
-      <p:sp>
-        <p:nvSpPr>
-          <p:cNvPr id="3" name="Content Placeholder 2"/>
+              <a:t>: dollars and cents</a:t>
+            </a:r>
+          </a:p>
+        </p:txBody>
+      </p:sp>
+      <p:sp>
+        <p:nvSpPr>
+          <p:cNvPr id="3" name="Content Placeholder 2">
+            <a:extLst>
+              <a:ext uri="{FF2B5EF4-FFF2-40B4-BE49-F238E27FC236}">
+                <a16:creationId xmlns:a16="http://schemas.microsoft.com/office/drawing/2014/main" id="{5B2BD7BA-4553-0C45-B9EF-60EE658ABFD5}"/>
+              </a:ext>
+            </a:extLst>
+          </p:cNvPr>
           <p:cNvSpPr>
             <a:spLocks noGrp="1"/>
           </p:cNvSpPr>
@@ -4298,183 +4224,105 @@
             <p:ph idx="1"/>
           </p:nvPr>
         </p:nvSpPr>
+        <p:spPr/>
+        <p:txBody>
+          <a:bodyPr anchor="t">
+            <a:normAutofit/>
+          </a:bodyPr>
+          <a:lstStyle/>
+          <a:p>
+            <a:pPr marL="0" indent="0">
+              <a:buNone/>
+            </a:pPr>
+            <a:endParaRPr lang="en-US" sz="2400" dirty="0"/>
+          </a:p>
+          <a:p>
+            <a:pPr marL="0" indent="0">
+              <a:buNone/>
+            </a:pPr>
+            <a:endParaRPr lang="en-US" sz="2400" dirty="0"/>
+          </a:p>
+          <a:p>
+            <a:pPr marL="0" indent="0">
+              <a:buNone/>
+            </a:pPr>
+            <a:endParaRPr lang="en-US" sz="2400" dirty="0"/>
+          </a:p>
+          <a:p>
+            <a:pPr marL="0" indent="0">
+              <a:buNone/>
+            </a:pPr>
+            <a:endParaRPr lang="en-US" sz="2400" dirty="0"/>
+          </a:p>
+          <a:p>
+            <a:pPr marL="0" indent="0">
+              <a:buNone/>
+            </a:pPr>
+            <a:r>
+              <a:rPr lang="en-US" sz="2400" dirty="0"/>
+              <a:t>Use </a:t>
+            </a:r>
+            <a:r>
+              <a:rPr lang="en-US" sz="2400" b="1" dirty="0"/>
+              <a:t>built-in functions</a:t>
+            </a:r>
+            <a:r>
+              <a:rPr lang="en-US" sz="2400" dirty="0"/>
+              <a:t> and functions from the </a:t>
+            </a:r>
+            <a:r>
+              <a:rPr lang="en-US" sz="2400" b="1" dirty="0">
+                <a:latin typeface="Courier" pitchFamily="2" charset="0"/>
+              </a:rPr>
+              <a:t>math</a:t>
+            </a:r>
+            <a:r>
+              <a:rPr lang="en-US" sz="2400" b="1" dirty="0"/>
+              <a:t> module </a:t>
+            </a:r>
+            <a:r>
+              <a:rPr lang="en-US" sz="2400" dirty="0"/>
+              <a:t>to take 3 prices, calculate their sum, and output their total formatted like this:</a:t>
+            </a:r>
+          </a:p>
+        </p:txBody>
+      </p:sp>
+      <p:pic>
+        <p:nvPicPr>
+          <p:cNvPr id="5" name="Picture 4">
+            <a:extLst>
+              <a:ext uri="{FF2B5EF4-FFF2-40B4-BE49-F238E27FC236}">
+                <a16:creationId xmlns:a16="http://schemas.microsoft.com/office/drawing/2014/main" id="{632F9EE9-258A-2544-8536-F24B7D484CF8}"/>
+              </a:ext>
+            </a:extLst>
+          </p:cNvPr>
+          <p:cNvPicPr>
+            <a:picLocks noChangeAspect="1"/>
+          </p:cNvPicPr>
+          <p:nvPr/>
+        </p:nvPicPr>
+        <p:blipFill>
+          <a:blip r:embed="rId3"/>
+          <a:stretch>
+            <a:fillRect/>
+          </a:stretch>
+        </p:blipFill>
         <p:spPr>
           <a:xfrm>
-            <a:off x="3476172" y="986028"/>
-            <a:ext cx="8304551" cy="4876800"/>
-          </a:xfrm>
-        </p:spPr>
-        <p:txBody>
-          <a:bodyPr anchor="t">
-            <a:noAutofit/>
-          </a:bodyPr>
-          <a:lstStyle/>
-          <a:p>
-            <a:r>
-              <a:rPr lang="en-US" sz="2400" dirty="0">
-                <a:solidFill>
-                  <a:schemeClr val="bg1">
-                    <a:lumMod val="75000"/>
-                  </a:schemeClr>
-                </a:solidFill>
-              </a:rPr>
-              <a:t>Some words in Python* are reserved as </a:t>
-            </a:r>
-            <a:r>
-              <a:rPr lang="en-US" sz="2400" dirty="0">
-                <a:solidFill>
-                  <a:schemeClr val="bg1">
-                    <a:lumMod val="75000"/>
-                  </a:schemeClr>
-                </a:solidFill>
-                <a:effectLst/>
-              </a:rPr>
-              <a:t>keywords</a:t>
-            </a:r>
-            <a:r>
-              <a:rPr lang="en-US" sz="2400" dirty="0">
-                <a:solidFill>
-                  <a:schemeClr val="bg1">
-                    <a:lumMod val="75000"/>
-                  </a:schemeClr>
-                </a:solidFill>
-              </a:rPr>
-              <a:t>, and cannot be used as a variable name:</a:t>
-            </a:r>
-          </a:p>
-          <a:p>
-            <a:pPr marL="171450" indent="0" algn="ctr">
-              <a:buNone/>
-            </a:pPr>
-            <a:r>
-              <a:rPr lang="en-US" dirty="0">
-                <a:solidFill>
-                  <a:schemeClr val="bg1">
-                    <a:lumMod val="75000"/>
-                  </a:schemeClr>
-                </a:solidFill>
-                <a:latin typeface="Courier" charset="0"/>
-                <a:ea typeface="Courier" charset="0"/>
-                <a:cs typeface="Courier" charset="0"/>
-              </a:rPr>
-              <a:t>and as assert break class continue def del </a:t>
-            </a:r>
-            <a:r>
-              <a:rPr lang="en-US" dirty="0" err="1">
-                <a:solidFill>
-                  <a:schemeClr val="bg1">
-                    <a:lumMod val="75000"/>
-                  </a:schemeClr>
-                </a:solidFill>
-                <a:latin typeface="Courier" charset="0"/>
-                <a:ea typeface="Courier" charset="0"/>
-                <a:cs typeface="Courier" charset="0"/>
-              </a:rPr>
-              <a:t>elif</a:t>
-            </a:r>
-            <a:r>
-              <a:rPr lang="en-US" dirty="0">
-                <a:solidFill>
-                  <a:schemeClr val="bg1">
-                    <a:lumMod val="75000"/>
-                  </a:schemeClr>
-                </a:solidFill>
-                <a:latin typeface="Courier" charset="0"/>
-                <a:ea typeface="Courier" charset="0"/>
-                <a:cs typeface="Courier" charset="0"/>
-              </a:rPr>
-              <a:t> else except exec finally for from global if import in is lambda not or pass raise </a:t>
-            </a:r>
-            <a:r>
-              <a:rPr lang="en-US" b="1" dirty="0">
-                <a:solidFill>
-                  <a:srgbClr val="FF9100"/>
-                </a:solidFill>
-                <a:latin typeface="Courier" charset="0"/>
-                <a:ea typeface="Courier" charset="0"/>
-                <a:cs typeface="Courier" charset="0"/>
-              </a:rPr>
-              <a:t>return</a:t>
-            </a:r>
-            <a:r>
-              <a:rPr lang="en-US" dirty="0">
-                <a:solidFill>
-                  <a:schemeClr val="bg1">
-                    <a:lumMod val="75000"/>
-                  </a:schemeClr>
-                </a:solidFill>
-                <a:latin typeface="Courier" charset="0"/>
-                <a:ea typeface="Courier" charset="0"/>
-                <a:cs typeface="Courier" charset="0"/>
-              </a:rPr>
-              <a:t> try while with yield</a:t>
-            </a:r>
-          </a:p>
-          <a:p>
-            <a:pPr marL="0" indent="0">
-              <a:buNone/>
-            </a:pPr>
-            <a:endParaRPr lang="en-US" sz="2400" dirty="0">
-              <a:solidFill>
-                <a:schemeClr val="bg1">
-                  <a:lumMod val="75000"/>
-                </a:schemeClr>
-              </a:solidFill>
-            </a:endParaRPr>
-          </a:p>
-        </p:txBody>
-      </p:sp>
-      <p:sp>
-        <p:nvSpPr>
-          <p:cNvPr id="7" name="TextBox 6"/>
-          <p:cNvSpPr txBox="1"/>
-          <p:nvPr/>
-        </p:nvSpPr>
-        <p:spPr>
-          <a:xfrm>
-            <a:off x="6804475" y="6581002"/>
-            <a:ext cx="3671198" cy="276999"/>
+            <a:off x="3189818" y="3760082"/>
+            <a:ext cx="8674100" cy="2705100"/>
           </a:xfrm>
           <a:prstGeom prst="rect">
             <a:avLst/>
           </a:prstGeom>
-          <a:noFill/>
         </p:spPr>
-        <p:txBody>
-          <a:bodyPr wrap="none" rtlCol="0">
-            <a:spAutoFit/>
-          </a:bodyPr>
-          <a:lstStyle/>
-          <a:p>
-            <a:r>
-              <a:rPr lang="en-US" sz="1200" dirty="0">
-                <a:solidFill>
-                  <a:schemeClr val="bg1">
-                    <a:lumMod val="65000"/>
-                  </a:schemeClr>
-                </a:solidFill>
-              </a:rPr>
-              <a:t>* other languages have their own set </a:t>
-            </a:r>
-            <a:r>
-              <a:rPr lang="en-US" sz="1200">
-                <a:solidFill>
-                  <a:schemeClr val="bg1">
-                    <a:lumMod val="65000"/>
-                  </a:schemeClr>
-                </a:solidFill>
-              </a:rPr>
-              <a:t>of reserved words</a:t>
-            </a:r>
-          </a:p>
-        </p:txBody>
-      </p:sp>
+      </p:pic>
       <p:grpSp>
         <p:nvGrpSpPr>
           <p:cNvPr id="8" name="Group 7">
             <a:extLst>
               <a:ext uri="{FF2B5EF4-FFF2-40B4-BE49-F238E27FC236}">
-                <a16:creationId xmlns:a16="http://schemas.microsoft.com/office/drawing/2014/main" id="{7556C628-EEED-874F-96AB-D8306FA25BF6}"/>
+                <a16:creationId xmlns:a16="http://schemas.microsoft.com/office/drawing/2014/main" id="{643AE87C-7B73-6BED-28AD-F921B6E5AC44}"/>
               </a:ext>
             </a:extLst>
           </p:cNvPr>
@@ -4483,509 +4331,24 @@
         </p:nvGrpSpPr>
         <p:grpSpPr>
           <a:xfrm>
-            <a:off x="7805121" y="2046267"/>
-            <a:ext cx="3539110" cy="1283181"/>
-            <a:chOff x="4265164" y="3008880"/>
-            <a:chExt cx="3539110" cy="1283181"/>
-          </a:xfrm>
-        </p:grpSpPr>
-        <p:sp>
-          <p:nvSpPr>
-            <p:cNvPr id="9" name="TextBox 8">
-              <a:extLst>
-                <a:ext uri="{FF2B5EF4-FFF2-40B4-BE49-F238E27FC236}">
-                  <a16:creationId xmlns:a16="http://schemas.microsoft.com/office/drawing/2014/main" id="{A0361444-657F-C847-8EE4-871493C11032}"/>
-                </a:ext>
-              </a:extLst>
-            </p:cNvPr>
-            <p:cNvSpPr txBox="1"/>
-            <p:nvPr/>
-          </p:nvSpPr>
-          <p:spPr>
-            <a:xfrm>
-              <a:off x="4931372" y="3830396"/>
-              <a:ext cx="2872902" cy="461665"/>
-            </a:xfrm>
-            <a:prstGeom prst="rect">
-              <a:avLst/>
-            </a:prstGeom>
-            <a:noFill/>
-          </p:spPr>
-          <p:txBody>
-            <a:bodyPr wrap="none" rtlCol="0">
-              <a:spAutoFit/>
-            </a:bodyPr>
-            <a:lstStyle/>
-            <a:p>
-              <a:pPr algn="ctr"/>
-              <a:r>
-                <a:rPr lang="en-US" sz="2400" dirty="0">
-                  <a:solidFill>
-                    <a:srgbClr val="003470"/>
-                  </a:solidFill>
-                  <a:latin typeface="Arial" panose="020B0604020202020204" pitchFamily="34" charset="0"/>
-                  <a:cs typeface="Arial" panose="020B0604020202020204" pitchFamily="34" charset="0"/>
-                </a:rPr>
-                <a:t>a reserved keyword</a:t>
-              </a:r>
-            </a:p>
-          </p:txBody>
-        </p:sp>
-        <p:sp>
-          <p:nvSpPr>
-            <p:cNvPr id="10" name="Circular Arrow 9">
-              <a:extLst>
-                <a:ext uri="{FF2B5EF4-FFF2-40B4-BE49-F238E27FC236}">
-                  <a16:creationId xmlns:a16="http://schemas.microsoft.com/office/drawing/2014/main" id="{103ED6E5-1B3B-D645-A070-72D64735E3F9}"/>
-                </a:ext>
-              </a:extLst>
-            </p:cNvPr>
-            <p:cNvSpPr/>
-            <p:nvPr/>
-          </p:nvSpPr>
-          <p:spPr>
-            <a:xfrm rot="19811118" flipH="1" flipV="1">
-              <a:off x="4265164" y="3008880"/>
-              <a:ext cx="1199497" cy="1205303"/>
-            </a:xfrm>
-            <a:prstGeom prst="circularArrow">
-              <a:avLst>
-                <a:gd name="adj1" fmla="val 1411"/>
-                <a:gd name="adj2" fmla="val 1563058"/>
-                <a:gd name="adj3" fmla="val 20880751"/>
-                <a:gd name="adj4" fmla="val 17540008"/>
-                <a:gd name="adj5" fmla="val 7233"/>
-              </a:avLst>
-            </a:prstGeom>
-            <a:solidFill>
-              <a:srgbClr val="003470"/>
-            </a:solidFill>
-            <a:ln cap="rnd">
-              <a:solidFill>
-                <a:srgbClr val="003470"/>
-              </a:solidFill>
-            </a:ln>
-          </p:spPr>
-          <p:style>
-            <a:lnRef idx="2">
-              <a:schemeClr val="accent1">
-                <a:shade val="50000"/>
-              </a:schemeClr>
-            </a:lnRef>
-            <a:fillRef idx="1">
-              <a:schemeClr val="accent1"/>
-            </a:fillRef>
-            <a:effectRef idx="0">
-              <a:schemeClr val="accent1"/>
-            </a:effectRef>
-            <a:fontRef idx="minor">
-              <a:schemeClr val="lt1"/>
-            </a:fontRef>
-          </p:style>
-          <p:txBody>
-            <a:bodyPr rtlCol="0" anchor="ctr"/>
-            <a:lstStyle/>
-            <a:p>
-              <a:pPr algn="ctr"/>
-              <a:endParaRPr lang="en-US">
-                <a:solidFill>
-                  <a:schemeClr val="tx1"/>
-                </a:solidFill>
-              </a:endParaRPr>
-            </a:p>
-          </p:txBody>
-        </p:sp>
-      </p:grpSp>
-    </p:spTree>
-    <p:extLst>
-      <p:ext uri="{BB962C8B-B14F-4D97-AF65-F5344CB8AC3E}">
-        <p14:creationId xmlns:p14="http://schemas.microsoft.com/office/powerpoint/2010/main" val="687300564"/>
-      </p:ext>
-    </p:extLst>
-  </p:cSld>
-  <p:clrMapOvr>
-    <a:masterClrMapping/>
-  </p:clrMapOvr>
-</p:sld>
-</file>
-
-<file path=ppt/slides/slide11.xml><?xml version="1.0" encoding="utf-8"?>
-<p:sld xmlns:a="http://schemas.openxmlformats.org/drawingml/2006/main" xmlns:r="http://schemas.openxmlformats.org/officeDocument/2006/relationships" xmlns:p="http://schemas.openxmlformats.org/presentationml/2006/main">
-  <p:cSld>
-    <p:spTree>
-      <p:nvGrpSpPr>
-        <p:cNvPr id="1" name=""/>
-        <p:cNvGrpSpPr/>
-        <p:nvPr/>
-      </p:nvGrpSpPr>
-      <p:grpSpPr>
-        <a:xfrm>
-          <a:off x="0" y="0"/>
-          <a:ext cx="0" cy="0"/>
-          <a:chOff x="0" y="0"/>
-          <a:chExt cx="0" cy="0"/>
-        </a:xfrm>
-      </p:grpSpPr>
-      <p:sp>
-        <p:nvSpPr>
-          <p:cNvPr id="2" name="Title 1">
-            <a:extLst>
-              <a:ext uri="{FF2B5EF4-FFF2-40B4-BE49-F238E27FC236}">
-                <a16:creationId xmlns:a16="http://schemas.microsoft.com/office/drawing/2014/main" id="{A2C05FA0-26C4-1542-8A0E-DD1E7902B976}"/>
-              </a:ext>
-            </a:extLst>
-          </p:cNvPr>
-          <p:cNvSpPr>
-            <a:spLocks noGrp="1"/>
-          </p:cNvSpPr>
-          <p:nvPr>
-            <p:ph type="title"/>
-          </p:nvPr>
-        </p:nvSpPr>
-        <p:spPr/>
-        <p:txBody>
-          <a:bodyPr/>
-          <a:lstStyle/>
-          <a:p>
-            <a:r>
-              <a:rPr lang="en-US" dirty="0"/>
-              <a:t>Peek ahead: “functions”</a:t>
-            </a:r>
-          </a:p>
-        </p:txBody>
-      </p:sp>
-      <p:pic>
-        <p:nvPicPr>
-          <p:cNvPr id="5" name="Content Placeholder 4">
-            <a:extLst>
-              <a:ext uri="{FF2B5EF4-FFF2-40B4-BE49-F238E27FC236}">
-                <a16:creationId xmlns:a16="http://schemas.microsoft.com/office/drawing/2014/main" id="{F4C1AA50-F152-284D-B221-27FB1C38661B}"/>
-              </a:ext>
-            </a:extLst>
-          </p:cNvPr>
-          <p:cNvPicPr>
-            <a:picLocks noGrp="1" noChangeAspect="1"/>
-          </p:cNvPicPr>
-          <p:nvPr>
-            <p:ph idx="1"/>
-          </p:nvPr>
-        </p:nvPicPr>
-        <p:blipFill>
-          <a:blip r:embed="rId2"/>
-          <a:stretch>
-            <a:fillRect/>
-          </a:stretch>
-        </p:blipFill>
-        <p:spPr>
-          <a:xfrm>
-            <a:off x="3821096" y="1127466"/>
-            <a:ext cx="7830036" cy="4876800"/>
-          </a:xfrm>
-        </p:spPr>
-      </p:pic>
-    </p:spTree>
-    <p:extLst>
-      <p:ext uri="{BB962C8B-B14F-4D97-AF65-F5344CB8AC3E}">
-        <p14:creationId xmlns:p14="http://schemas.microsoft.com/office/powerpoint/2010/main" val="1402819795"/>
-      </p:ext>
-    </p:extLst>
-  </p:cSld>
-  <p:clrMapOvr>
-    <a:masterClrMapping/>
-  </p:clrMapOvr>
-</p:sld>
-</file>
-
-<file path=ppt/slides/slide12.xml><?xml version="1.0" encoding="utf-8"?>
-<p:sld xmlns:a="http://schemas.openxmlformats.org/drawingml/2006/main" xmlns:r="http://schemas.openxmlformats.org/officeDocument/2006/relationships" xmlns:p="http://schemas.openxmlformats.org/presentationml/2006/main">
-  <p:cSld>
-    <p:spTree>
-      <p:nvGrpSpPr>
-        <p:cNvPr id="1" name=""/>
-        <p:cNvGrpSpPr/>
-        <p:nvPr/>
-      </p:nvGrpSpPr>
-      <p:grpSpPr>
-        <a:xfrm>
-          <a:off x="0" y="0"/>
-          <a:ext cx="0" cy="0"/>
-          <a:chOff x="0" y="0"/>
-          <a:chExt cx="0" cy="0"/>
-        </a:xfrm>
-      </p:grpSpPr>
-      <p:sp>
-        <p:nvSpPr>
-          <p:cNvPr id="2" name="Title 1">
-            <a:extLst>
-              <a:ext uri="{FF2B5EF4-FFF2-40B4-BE49-F238E27FC236}">
-                <a16:creationId xmlns:a16="http://schemas.microsoft.com/office/drawing/2014/main" id="{F911D8B4-24B1-AB46-AAF5-CF51DA3A5BCC}"/>
-              </a:ext>
-            </a:extLst>
-          </p:cNvPr>
-          <p:cNvSpPr>
-            <a:spLocks noGrp="1"/>
-          </p:cNvSpPr>
-          <p:nvPr>
-            <p:ph type="title"/>
-          </p:nvPr>
-        </p:nvSpPr>
-        <p:spPr/>
-        <p:txBody>
-          <a:bodyPr/>
-          <a:lstStyle/>
-          <a:p>
-            <a:r>
-              <a:rPr lang="en-US" dirty="0"/>
-              <a:t>The </a:t>
-            </a:r>
-            <a:r>
-              <a:rPr lang="en-US" dirty="0">
-                <a:latin typeface="Courier" pitchFamily="2" charset="0"/>
-              </a:rPr>
-              <a:t>math</a:t>
-            </a:r>
-            <a:r>
-              <a:rPr lang="en-US" dirty="0"/>
-              <a:t> module</a:t>
-            </a:r>
-          </a:p>
-        </p:txBody>
-      </p:sp>
-      <p:sp>
-        <p:nvSpPr>
-          <p:cNvPr id="3" name="Content Placeholder 2">
-            <a:extLst>
-              <a:ext uri="{FF2B5EF4-FFF2-40B4-BE49-F238E27FC236}">
-                <a16:creationId xmlns:a16="http://schemas.microsoft.com/office/drawing/2014/main" id="{D58EDDAC-2BA7-9947-ADD9-F413CE2498C3}"/>
-              </a:ext>
-            </a:extLst>
-          </p:cNvPr>
-          <p:cNvSpPr>
-            <a:spLocks noGrp="1"/>
-          </p:cNvSpPr>
-          <p:nvPr>
-            <p:ph idx="1"/>
-          </p:nvPr>
-        </p:nvSpPr>
-        <p:spPr>
-          <a:xfrm>
-            <a:off x="3563257" y="534270"/>
-            <a:ext cx="8229600" cy="5083629"/>
-          </a:xfrm>
-        </p:spPr>
-        <p:txBody>
-          <a:bodyPr anchor="t">
-            <a:noAutofit/>
-          </a:bodyPr>
-          <a:lstStyle/>
-          <a:p>
-            <a:r>
-              <a:rPr lang="en-US" sz="2800" dirty="0"/>
-              <a:t>Lots of other things we might want to do with numerical values are available as functions in the </a:t>
-            </a:r>
-            <a:r>
-              <a:rPr lang="en-US" sz="2800" b="1" dirty="0">
-                <a:latin typeface="Courier" pitchFamily="2" charset="0"/>
-              </a:rPr>
-              <a:t>math</a:t>
-            </a:r>
-            <a:r>
-              <a:rPr lang="en-US" sz="2800" dirty="0"/>
-              <a:t> module</a:t>
-            </a:r>
-          </a:p>
-          <a:p>
-            <a:endParaRPr lang="en-US" sz="2800" dirty="0">
-              <a:latin typeface="Courier" pitchFamily="2" charset="0"/>
-            </a:endParaRPr>
-          </a:p>
-          <a:p>
-            <a:endParaRPr lang="en-US" sz="2800" dirty="0">
-              <a:latin typeface="Courier" pitchFamily="2" charset="0"/>
-            </a:endParaRPr>
-          </a:p>
-          <a:p>
-            <a:endParaRPr lang="en-US" sz="2800" dirty="0">
-              <a:latin typeface="Courier" pitchFamily="2" charset="0"/>
-            </a:endParaRPr>
-          </a:p>
-          <a:p>
-            <a:endParaRPr lang="en-US" sz="2800" dirty="0">
-              <a:latin typeface="Courier" pitchFamily="2" charset="0"/>
-            </a:endParaRPr>
-          </a:p>
-          <a:p>
-            <a:r>
-              <a:rPr lang="en-US" sz="2800" dirty="0">
-                <a:latin typeface="Courier" pitchFamily="2" charset="0"/>
-              </a:rPr>
-              <a:t>import math</a:t>
-            </a:r>
-          </a:p>
-          <a:p>
-            <a:pPr lvl="1"/>
-            <a:r>
-              <a:rPr lang="en-US" sz="2400" dirty="0" err="1">
-                <a:latin typeface="Courier" pitchFamily="2" charset="0"/>
-              </a:rPr>
-              <a:t>math.floor</a:t>
-            </a:r>
-            <a:r>
-              <a:rPr lang="en-US" sz="2400" dirty="0">
-                <a:latin typeface="Courier" pitchFamily="2" charset="0"/>
-              </a:rPr>
-              <a:t>(f)</a:t>
-            </a:r>
-            <a:r>
-              <a:rPr lang="en-US" sz="2400" dirty="0"/>
-              <a:t> 	</a:t>
-            </a:r>
-            <a:r>
-              <a:rPr lang="en-US" sz="2400" dirty="0">
-                <a:solidFill>
-                  <a:schemeClr val="bg1">
-                    <a:lumMod val="75000"/>
-                  </a:schemeClr>
-                </a:solidFill>
-              </a:rPr>
-              <a:t># round float f down</a:t>
-            </a:r>
-          </a:p>
-          <a:p>
-            <a:pPr lvl="1"/>
-            <a:r>
-              <a:rPr lang="en-US" sz="2400" dirty="0" err="1">
-                <a:latin typeface="Courier" pitchFamily="2" charset="0"/>
-              </a:rPr>
-              <a:t>math.ceil</a:t>
-            </a:r>
-            <a:r>
-              <a:rPr lang="en-US" sz="2400" dirty="0">
-                <a:latin typeface="Courier" pitchFamily="2" charset="0"/>
-              </a:rPr>
-              <a:t>(f)</a:t>
-            </a:r>
-            <a:r>
-              <a:rPr lang="en-US" sz="2400" dirty="0"/>
-              <a:t> 	</a:t>
-            </a:r>
-            <a:r>
-              <a:rPr lang="en-US" sz="2400" dirty="0">
-                <a:solidFill>
-                  <a:schemeClr val="bg1">
-                    <a:lumMod val="75000"/>
-                  </a:schemeClr>
-                </a:solidFill>
-              </a:rPr>
-              <a:t># round float f up</a:t>
-            </a:r>
-          </a:p>
-          <a:p>
-            <a:pPr lvl="1"/>
-            <a:r>
-              <a:rPr lang="en-US" sz="2400" dirty="0" err="1">
-                <a:latin typeface="Courier" pitchFamily="2" charset="0"/>
-              </a:rPr>
-              <a:t>math.sqrt</a:t>
-            </a:r>
-            <a:r>
-              <a:rPr lang="en-US" sz="2400" dirty="0">
-                <a:latin typeface="Courier" pitchFamily="2" charset="0"/>
-              </a:rPr>
-              <a:t>(</a:t>
-            </a:r>
-            <a:r>
-              <a:rPr lang="en-US" sz="2400" i="1" dirty="0">
-                <a:latin typeface="Courier" pitchFamily="2" charset="0"/>
-              </a:rPr>
-              <a:t>x</a:t>
-            </a:r>
-            <a:r>
-              <a:rPr lang="en-US" sz="2400" dirty="0">
-                <a:latin typeface="Courier" pitchFamily="2" charset="0"/>
-              </a:rPr>
-              <a:t>) 	</a:t>
-            </a:r>
-            <a:r>
-              <a:rPr lang="en-US" sz="2400" dirty="0">
-                <a:solidFill>
-                  <a:schemeClr val="bg1">
-                    <a:lumMod val="75000"/>
-                  </a:schemeClr>
-                </a:solidFill>
-              </a:rPr>
-              <a:t># take the square root of x</a:t>
-            </a:r>
-          </a:p>
-          <a:p>
-            <a:pPr marL="274320" lvl="1" indent="0" algn="ctr">
-              <a:buNone/>
-            </a:pPr>
-            <a:endParaRPr lang="en-US" sz="1100" dirty="0">
-              <a:solidFill>
-                <a:schemeClr val="bg1">
-                  <a:lumMod val="75000"/>
-                </a:schemeClr>
-              </a:solidFill>
-            </a:endParaRPr>
-          </a:p>
-          <a:p>
-            <a:pPr marL="274320" lvl="1" indent="0" algn="ctr">
-              <a:buNone/>
-            </a:pPr>
-            <a:r>
-              <a:rPr lang="en-US" sz="2400" dirty="0"/>
-              <a:t>And more! Check out: https://</a:t>
-            </a:r>
-            <a:r>
-              <a:rPr lang="en-US" sz="2400" dirty="0" err="1"/>
-              <a:t>docs.python.org</a:t>
-            </a:r>
-            <a:r>
-              <a:rPr lang="en-US" sz="2400" dirty="0"/>
-              <a:t>/2/library/</a:t>
-            </a:r>
-            <a:r>
-              <a:rPr lang="en-US" sz="2400" dirty="0" err="1"/>
-              <a:t>math.html</a:t>
-            </a:r>
-            <a:endParaRPr lang="en-US" sz="2400" dirty="0"/>
-          </a:p>
-          <a:p>
-            <a:pPr lvl="1"/>
-            <a:endParaRPr lang="en-US" sz="2400" dirty="0"/>
-          </a:p>
-          <a:p>
-            <a:endParaRPr lang="en-US" sz="2800" dirty="0"/>
-          </a:p>
-        </p:txBody>
-      </p:sp>
-      <p:grpSp>
-        <p:nvGrpSpPr>
-          <p:cNvPr id="6" name="Group 5">
-            <a:extLst>
-              <a:ext uri="{FF2B5EF4-FFF2-40B4-BE49-F238E27FC236}">
-                <a16:creationId xmlns:a16="http://schemas.microsoft.com/office/drawing/2014/main" id="{E51F0DB3-88E8-9C4B-A4D9-16BEDAE091C9}"/>
-              </a:ext>
-            </a:extLst>
-          </p:cNvPr>
-          <p:cNvGrpSpPr/>
-          <p:nvPr/>
-        </p:nvGrpSpPr>
-        <p:grpSpPr>
-          <a:xfrm>
-            <a:off x="4075899" y="1915886"/>
+            <a:off x="3924710" y="419280"/>
             <a:ext cx="7204316" cy="1854114"/>
             <a:chOff x="5116286" y="4136571"/>
             <a:chExt cx="3938635" cy="1661478"/>
           </a:xfrm>
+          <a:solidFill>
+            <a:schemeClr val="accent3">
+              <a:lumMod val="20000"/>
+              <a:lumOff val="80000"/>
+            </a:schemeClr>
+          </a:solidFill>
         </p:grpSpPr>
         <p:sp>
           <p:nvSpPr>
-            <p:cNvPr id="5" name="Rectangle 4">
+            <p:cNvPr id="9" name="Rectangle 8">
               <a:extLst>
                 <a:ext uri="{FF2B5EF4-FFF2-40B4-BE49-F238E27FC236}">
-                  <a16:creationId xmlns:a16="http://schemas.microsoft.com/office/drawing/2014/main" id="{CB01589A-AF6D-2C47-A359-6797A74A6044}"/>
+                  <a16:creationId xmlns:a16="http://schemas.microsoft.com/office/drawing/2014/main" id="{02D20E4C-3374-61B8-C09B-3473367806AF}"/>
                 </a:ext>
               </a:extLst>
             </p:cNvPr>
@@ -5000,11 +4363,7 @@
             <a:prstGeom prst="rect">
               <a:avLst/>
             </a:prstGeom>
-            <a:solidFill>
-              <a:schemeClr val="bg1">
-                <a:lumMod val="95000"/>
-              </a:schemeClr>
-            </a:solidFill>
+            <a:grpFill/>
             <a:ln>
               <a:solidFill>
                 <a:srgbClr val="2E3B4B"/>
@@ -5038,10 +4397,10 @@
         </p:sp>
         <p:sp>
           <p:nvSpPr>
-            <p:cNvPr id="4" name="Rectangle 3">
+            <p:cNvPr id="10" name="Rectangle 9">
               <a:extLst>
                 <a:ext uri="{FF2B5EF4-FFF2-40B4-BE49-F238E27FC236}">
-                  <a16:creationId xmlns:a16="http://schemas.microsoft.com/office/drawing/2014/main" id="{53BA202B-604E-8241-9230-079A9A0EE524}"/>
+                  <a16:creationId xmlns:a16="http://schemas.microsoft.com/office/drawing/2014/main" id="{A18F4CE3-74D0-BD98-A3DC-5BEC652B9189}"/>
                 </a:ext>
               </a:extLst>
             </p:cNvPr>
@@ -5056,6 +4415,7 @@
             <a:prstGeom prst="rect">
               <a:avLst/>
             </a:prstGeom>
+            <a:grpFill/>
           </p:spPr>
           <p:txBody>
             <a:bodyPr wrap="square">
@@ -5089,7 +4449,7 @@
                   </a:solidFill>
                   <a:latin typeface="Courier" pitchFamily="2" charset="0"/>
                 </a:rPr>
-                <a:t>name</a:t>
+                <a:t>math</a:t>
               </a:r>
               <a:r>
                 <a:rPr lang="en-US" altLang="en-US" sz="2000" b="1" dirty="0" err="1">
@@ -5151,7 +4511,7 @@
                   </a:solidFill>
                   <a:latin typeface="Courier" pitchFamily="2" charset="0"/>
                 </a:rPr>
-                <a:t>name</a:t>
+                <a:t>math</a:t>
               </a:r>
               <a:endParaRPr lang="en-US" altLang="en-US" sz="2000" dirty="0">
                 <a:solidFill>
@@ -5188,7 +4548,7 @@
                   </a:solidFill>
                   <a:latin typeface="Courier" pitchFamily="2" charset="0"/>
                 </a:rPr>
-                <a:t>name</a:t>
+                <a:t>math</a:t>
               </a:r>
               <a:r>
                 <a:rPr lang="en-US" altLang="en-US" sz="2000" dirty="0">
@@ -5209,7 +4569,7 @@
                   </a:solidFill>
                   <a:latin typeface="Courier" pitchFamily="2" charset="0"/>
                 </a:rPr>
-                <a:t>name.function</a:t>
+                <a:t>math.function</a:t>
               </a:r>
               <a:r>
                 <a:rPr lang="en-US" altLang="en-US" sz="2000" b="1" i="1" dirty="0">
@@ -5236,153 +4596,6 @@
     </p:spTree>
     <p:extLst>
       <p:ext uri="{BB962C8B-B14F-4D97-AF65-F5344CB8AC3E}">
-        <p14:creationId xmlns:p14="http://schemas.microsoft.com/office/powerpoint/2010/main" val="4228958399"/>
-      </p:ext>
-    </p:extLst>
-  </p:cSld>
-  <p:clrMapOvr>
-    <a:masterClrMapping/>
-  </p:clrMapOvr>
-</p:sld>
-</file>
-
-<file path=ppt/slides/slide13.xml><?xml version="1.0" encoding="utf-8"?>
-<p:sld xmlns:a="http://schemas.openxmlformats.org/drawingml/2006/main" xmlns:r="http://schemas.openxmlformats.org/officeDocument/2006/relationships" xmlns:p="http://schemas.openxmlformats.org/presentationml/2006/main">
-  <p:cSld>
-    <p:spTree>
-      <p:nvGrpSpPr>
-        <p:cNvPr id="1" name=""/>
-        <p:cNvGrpSpPr/>
-        <p:nvPr/>
-      </p:nvGrpSpPr>
-      <p:grpSpPr>
-        <a:xfrm>
-          <a:off x="0" y="0"/>
-          <a:ext cx="0" cy="0"/>
-          <a:chOff x="0" y="0"/>
-          <a:chExt cx="0" cy="0"/>
-        </a:xfrm>
-      </p:grpSpPr>
-      <p:sp>
-        <p:nvSpPr>
-          <p:cNvPr id="2" name="Title 1">
-            <a:extLst>
-              <a:ext uri="{FF2B5EF4-FFF2-40B4-BE49-F238E27FC236}">
-                <a16:creationId xmlns:a16="http://schemas.microsoft.com/office/drawing/2014/main" id="{A46B6BE0-7660-A949-8AAF-53C550531CA4}"/>
-              </a:ext>
-            </a:extLst>
-          </p:cNvPr>
-          <p:cNvSpPr>
-            <a:spLocks noGrp="1"/>
-          </p:cNvSpPr>
-          <p:nvPr>
-            <p:ph type="title"/>
-          </p:nvPr>
-        </p:nvSpPr>
-        <p:spPr/>
-        <p:txBody>
-          <a:bodyPr/>
-          <a:lstStyle/>
-          <a:p>
-            <a:r>
-              <a:rPr lang="en-US" b="1" dirty="0"/>
-              <a:t>15-minute exercise</a:t>
-            </a:r>
-            <a:r>
-              <a:rPr lang="en-US" dirty="0"/>
-              <a:t>: dollars and cents</a:t>
-            </a:r>
-          </a:p>
-        </p:txBody>
-      </p:sp>
-      <p:sp>
-        <p:nvSpPr>
-          <p:cNvPr id="3" name="Content Placeholder 2">
-            <a:extLst>
-              <a:ext uri="{FF2B5EF4-FFF2-40B4-BE49-F238E27FC236}">
-                <a16:creationId xmlns:a16="http://schemas.microsoft.com/office/drawing/2014/main" id="{5B2BD7BA-4553-0C45-B9EF-60EE658ABFD5}"/>
-              </a:ext>
-            </a:extLst>
-          </p:cNvPr>
-          <p:cNvSpPr>
-            <a:spLocks noGrp="1"/>
-          </p:cNvSpPr>
-          <p:nvPr>
-            <p:ph idx="1"/>
-          </p:nvPr>
-        </p:nvSpPr>
-        <p:spPr/>
-        <p:txBody>
-          <a:bodyPr anchor="t">
-            <a:normAutofit/>
-          </a:bodyPr>
-          <a:lstStyle/>
-          <a:p>
-            <a:pPr marL="0" indent="0">
-              <a:buNone/>
-            </a:pPr>
-            <a:r>
-              <a:rPr lang="en-US" sz="2400" dirty="0"/>
-              <a:t>Use </a:t>
-            </a:r>
-            <a:r>
-              <a:rPr lang="en-US" sz="2400" b="1" dirty="0"/>
-              <a:t>built-in functions</a:t>
-            </a:r>
-            <a:r>
-              <a:rPr lang="en-US" sz="2400" dirty="0"/>
-              <a:t> and functions from the </a:t>
-            </a:r>
-            <a:r>
-              <a:rPr lang="en-US" sz="2400" b="1" dirty="0">
-                <a:latin typeface="Courier" pitchFamily="2" charset="0"/>
-              </a:rPr>
-              <a:t>math</a:t>
-            </a:r>
-            <a:r>
-              <a:rPr lang="en-US" sz="2400" b="1" dirty="0"/>
-              <a:t> module </a:t>
-            </a:r>
-            <a:r>
-              <a:rPr lang="en-US" sz="2400" dirty="0"/>
-              <a:t>to take a list of prices, calculate their sum, and output their total formatted like this:</a:t>
-            </a:r>
-          </a:p>
-        </p:txBody>
-      </p:sp>
-      <p:pic>
-        <p:nvPicPr>
-          <p:cNvPr id="5" name="Picture 4">
-            <a:extLst>
-              <a:ext uri="{FF2B5EF4-FFF2-40B4-BE49-F238E27FC236}">
-                <a16:creationId xmlns:a16="http://schemas.microsoft.com/office/drawing/2014/main" id="{632F9EE9-258A-2544-8536-F24B7D484CF8}"/>
-              </a:ext>
-            </a:extLst>
-          </p:cNvPr>
-          <p:cNvPicPr>
-            <a:picLocks noChangeAspect="1"/>
-          </p:cNvPicPr>
-          <p:nvPr/>
-        </p:nvPicPr>
-        <p:blipFill>
-          <a:blip r:embed="rId3"/>
-          <a:stretch>
-            <a:fillRect/>
-          </a:stretch>
-        </p:blipFill>
-        <p:spPr>
-          <a:xfrm>
-            <a:off x="3189818" y="2071878"/>
-            <a:ext cx="8674100" cy="2705100"/>
-          </a:xfrm>
-          <a:prstGeom prst="rect">
-            <a:avLst/>
-          </a:prstGeom>
-        </p:spPr>
-      </p:pic>
-    </p:spTree>
-    <p:extLst>
-      <p:ext uri="{BB962C8B-B14F-4D97-AF65-F5344CB8AC3E}">
         <p14:creationId xmlns:p14="http://schemas.microsoft.com/office/powerpoint/2010/main" val="2690589482"/>
       </p:ext>
     </p:extLst>
@@ -5393,8 +4606,8 @@
 </p:sld>
 </file>
 
-<file path=ppt/slides/slide14.xml><?xml version="1.0" encoding="utf-8"?>
-<p:sld xmlns:a="http://schemas.openxmlformats.org/drawingml/2006/main" xmlns:r="http://schemas.openxmlformats.org/officeDocument/2006/relationships" xmlns:p="http://schemas.openxmlformats.org/presentationml/2006/main" show="0">
+<file path=ppt/slides/slide11.xml><?xml version="1.0" encoding="utf-8"?>
+<p:sld xmlns:a="http://schemas.openxmlformats.org/drawingml/2006/main" xmlns:r="http://schemas.openxmlformats.org/officeDocument/2006/relationships" xmlns:p="http://schemas.openxmlformats.org/presentationml/2006/main">
   <p:cSld>
     <p:spTree>
       <p:nvGrpSpPr>
@@ -5559,8 +4772,8 @@
 </p:sld>
 </file>
 
-<file path=ppt/slides/slide15.xml><?xml version="1.0" encoding="utf-8"?>
-<p:sld xmlns:a="http://schemas.openxmlformats.org/drawingml/2006/main" xmlns:r="http://schemas.openxmlformats.org/officeDocument/2006/relationships" xmlns:p="http://schemas.openxmlformats.org/presentationml/2006/main" show="0">
+<file path=ppt/slides/slide12.xml><?xml version="1.0" encoding="utf-8"?>
+<p:sld xmlns:a="http://schemas.openxmlformats.org/drawingml/2006/main" xmlns:r="http://schemas.openxmlformats.org/officeDocument/2006/relationships" xmlns:p="http://schemas.openxmlformats.org/presentationml/2006/main">
   <p:cSld>
     <p:spTree>
       <p:nvGrpSpPr>
@@ -5775,1131 +4988,7 @@
 </p:sld>
 </file>
 
-<file path=ppt/slides/slide16.xml><?xml version="1.0" encoding="utf-8"?>
-<p:sld xmlns:a="http://schemas.openxmlformats.org/drawingml/2006/main" xmlns:r="http://schemas.openxmlformats.org/officeDocument/2006/relationships" xmlns:p="http://schemas.openxmlformats.org/presentationml/2006/main" show="0">
-  <p:cSld>
-    <p:spTree>
-      <p:nvGrpSpPr>
-        <p:cNvPr id="1" name=""/>
-        <p:cNvGrpSpPr/>
-        <p:nvPr/>
-      </p:nvGrpSpPr>
-      <p:grpSpPr>
-        <a:xfrm>
-          <a:off x="0" y="0"/>
-          <a:ext cx="0" cy="0"/>
-          <a:chOff x="0" y="0"/>
-          <a:chExt cx="0" cy="0"/>
-        </a:xfrm>
-      </p:grpSpPr>
-      <p:sp>
-        <p:nvSpPr>
-          <p:cNvPr id="11" name="Content Placeholder 10">
-            <a:extLst>
-              <a:ext uri="{FF2B5EF4-FFF2-40B4-BE49-F238E27FC236}">
-                <a16:creationId xmlns:a16="http://schemas.microsoft.com/office/drawing/2014/main" id="{E8EE2F14-89E1-6740-8BCE-901F6BDFE19B}"/>
-              </a:ext>
-            </a:extLst>
-          </p:cNvPr>
-          <p:cNvSpPr>
-            <a:spLocks noGrp="1"/>
-          </p:cNvSpPr>
-          <p:nvPr>
-            <p:ph idx="1"/>
-          </p:nvPr>
-        </p:nvSpPr>
-        <p:spPr/>
-        <p:txBody>
-          <a:bodyPr anchor="t">
-            <a:normAutofit/>
-          </a:bodyPr>
-          <a:lstStyle/>
-          <a:p>
-            <a:r>
-              <a:rPr lang="en-US" sz="2400" dirty="0"/>
-              <a:t>Just using concatenation:</a:t>
-            </a:r>
-          </a:p>
-          <a:p>
-            <a:pPr marL="0" indent="0" algn="ctr">
-              <a:buNone/>
-            </a:pPr>
-            <a:r>
-              <a:rPr lang="en-US" sz="3200" dirty="0">
-                <a:solidFill>
-                  <a:srgbClr val="A325BE"/>
-                </a:solidFill>
-                <a:latin typeface="Courier" pitchFamily="2" charset="0"/>
-              </a:rPr>
-              <a:t>print</a:t>
-            </a:r>
-            <a:r>
-              <a:rPr lang="en-US" sz="3200" dirty="0">
-                <a:latin typeface="Courier" pitchFamily="2" charset="0"/>
-              </a:rPr>
-              <a:t>(</a:t>
-            </a:r>
-            <a:r>
-              <a:rPr lang="en-US" sz="3200" dirty="0">
-                <a:solidFill>
-                  <a:srgbClr val="00B050"/>
-                </a:solidFill>
-                <a:latin typeface="Courier" pitchFamily="2" charset="0"/>
-              </a:rPr>
-              <a:t>“Total is: $”</a:t>
-            </a:r>
-            <a:r>
-              <a:rPr lang="en-US" sz="3200" dirty="0">
-                <a:latin typeface="Courier" pitchFamily="2" charset="0"/>
-              </a:rPr>
-              <a:t>, </a:t>
-            </a:r>
-            <a:r>
-              <a:rPr lang="en-US" sz="3200" dirty="0">
-                <a:solidFill>
-                  <a:srgbClr val="A325BE"/>
-                </a:solidFill>
-                <a:latin typeface="Courier" pitchFamily="2" charset="0"/>
-              </a:rPr>
-              <a:t>sum</a:t>
-            </a:r>
-            <a:r>
-              <a:rPr lang="en-US" sz="3200" dirty="0">
-                <a:latin typeface="Courier" pitchFamily="2" charset="0"/>
-              </a:rPr>
-              <a:t>(x)))</a:t>
-            </a:r>
-          </a:p>
-        </p:txBody>
-      </p:sp>
-      <p:sp>
-        <p:nvSpPr>
-          <p:cNvPr id="2" name="Title 1">
-            <a:extLst>
-              <a:ext uri="{FF2B5EF4-FFF2-40B4-BE49-F238E27FC236}">
-                <a16:creationId xmlns:a16="http://schemas.microsoft.com/office/drawing/2014/main" id="{1D86C55E-CEFE-6F49-9A01-91F1D64E1D82}"/>
-              </a:ext>
-            </a:extLst>
-          </p:cNvPr>
-          <p:cNvSpPr>
-            <a:spLocks noGrp="1"/>
-          </p:cNvSpPr>
-          <p:nvPr>
-            <p:ph type="title"/>
-          </p:nvPr>
-        </p:nvSpPr>
-        <p:spPr/>
-        <p:txBody>
-          <a:bodyPr/>
-          <a:lstStyle/>
-          <a:p>
-            <a:r>
-              <a:rPr lang="en-US" dirty="0"/>
-              <a:t>Close, but not quite:</a:t>
-            </a:r>
-          </a:p>
-        </p:txBody>
-      </p:sp>
-      <p:pic>
-        <p:nvPicPr>
-          <p:cNvPr id="4" name="Picture 3">
-            <a:extLst>
-              <a:ext uri="{FF2B5EF4-FFF2-40B4-BE49-F238E27FC236}">
-                <a16:creationId xmlns:a16="http://schemas.microsoft.com/office/drawing/2014/main" id="{249DC3F8-C3DE-E248-906F-7FE8FBD21FF5}"/>
-              </a:ext>
-            </a:extLst>
-          </p:cNvPr>
-          <p:cNvPicPr>
-            <a:picLocks noChangeAspect="1"/>
-          </p:cNvPicPr>
-          <p:nvPr/>
-        </p:nvPicPr>
-        <p:blipFill>
-          <a:blip r:embed="rId2"/>
-          <a:stretch>
-            <a:fillRect/>
-          </a:stretch>
-        </p:blipFill>
-        <p:spPr>
-          <a:xfrm>
-            <a:off x="3264981" y="1995582"/>
-            <a:ext cx="8674100" cy="2705100"/>
-          </a:xfrm>
-          <a:prstGeom prst="rect">
-            <a:avLst/>
-          </a:prstGeom>
-        </p:spPr>
-      </p:pic>
-      <p:grpSp>
-        <p:nvGrpSpPr>
-          <p:cNvPr id="10" name="Group 9">
-            <a:extLst>
-              <a:ext uri="{FF2B5EF4-FFF2-40B4-BE49-F238E27FC236}">
-                <a16:creationId xmlns:a16="http://schemas.microsoft.com/office/drawing/2014/main" id="{D45ABFE4-728E-2D45-859A-739AACBFA368}"/>
-              </a:ext>
-            </a:extLst>
-          </p:cNvPr>
-          <p:cNvGrpSpPr/>
-          <p:nvPr/>
-        </p:nvGrpSpPr>
-        <p:grpSpPr>
-          <a:xfrm>
-            <a:off x="5779881" y="2863523"/>
-            <a:ext cx="2818935" cy="1688923"/>
-            <a:chOff x="5541416" y="1592795"/>
-            <a:chExt cx="2818935" cy="1688923"/>
-          </a:xfrm>
-        </p:grpSpPr>
-        <p:sp>
-          <p:nvSpPr>
-            <p:cNvPr id="12" name="TextBox 11">
-              <a:extLst>
-                <a:ext uri="{FF2B5EF4-FFF2-40B4-BE49-F238E27FC236}">
-                  <a16:creationId xmlns:a16="http://schemas.microsoft.com/office/drawing/2014/main" id="{FED35B0D-DF12-994A-8C74-8329B0EC695D}"/>
-                </a:ext>
-              </a:extLst>
-            </p:cNvPr>
-            <p:cNvSpPr txBox="1"/>
-            <p:nvPr/>
-          </p:nvSpPr>
-          <p:spPr>
-            <a:xfrm>
-              <a:off x="6016440" y="2820053"/>
-              <a:ext cx="2343911" cy="461665"/>
-            </a:xfrm>
-            <a:prstGeom prst="rect">
-              <a:avLst/>
-            </a:prstGeom>
-            <a:noFill/>
-          </p:spPr>
-          <p:txBody>
-            <a:bodyPr wrap="none" rtlCol="0">
-              <a:spAutoFit/>
-            </a:bodyPr>
-            <a:lstStyle/>
-            <a:p>
-              <a:pPr algn="ctr"/>
-              <a:r>
-                <a:rPr lang="en-US" sz="2400" dirty="0">
-                  <a:solidFill>
-                    <a:srgbClr val="003470"/>
-                  </a:solidFill>
-                  <a:latin typeface="Arial" panose="020B0604020202020204" pitchFamily="34" charset="0"/>
-                  <a:cs typeface="Arial" panose="020B0604020202020204" pitchFamily="34" charset="0"/>
-                </a:rPr>
-                <a:t>annoying space</a:t>
-              </a:r>
-            </a:p>
-          </p:txBody>
-        </p:sp>
-        <p:sp>
-          <p:nvSpPr>
-            <p:cNvPr id="13" name="Circular Arrow 12">
-              <a:extLst>
-                <a:ext uri="{FF2B5EF4-FFF2-40B4-BE49-F238E27FC236}">
-                  <a16:creationId xmlns:a16="http://schemas.microsoft.com/office/drawing/2014/main" id="{7034E1A0-7947-984A-8EAA-32D2C762C46F}"/>
-                </a:ext>
-              </a:extLst>
-            </p:cNvPr>
-            <p:cNvSpPr/>
-            <p:nvPr/>
-          </p:nvSpPr>
-          <p:spPr>
-            <a:xfrm rot="320632" flipH="1" flipV="1">
-              <a:off x="5541416" y="1592795"/>
-              <a:ext cx="1576632" cy="1584263"/>
-            </a:xfrm>
-            <a:prstGeom prst="circularArrow">
-              <a:avLst>
-                <a:gd name="adj1" fmla="val 1411"/>
-                <a:gd name="adj2" fmla="val 1563058"/>
-                <a:gd name="adj3" fmla="val 20880751"/>
-                <a:gd name="adj4" fmla="val 17540008"/>
-                <a:gd name="adj5" fmla="val 7233"/>
-              </a:avLst>
-            </a:prstGeom>
-            <a:solidFill>
-              <a:srgbClr val="003470"/>
-            </a:solidFill>
-            <a:ln cap="rnd">
-              <a:solidFill>
-                <a:srgbClr val="003470"/>
-              </a:solidFill>
-            </a:ln>
-          </p:spPr>
-          <p:style>
-            <a:lnRef idx="2">
-              <a:schemeClr val="accent1">
-                <a:shade val="50000"/>
-              </a:schemeClr>
-            </a:lnRef>
-            <a:fillRef idx="1">
-              <a:schemeClr val="accent1"/>
-            </a:fillRef>
-            <a:effectRef idx="0">
-              <a:schemeClr val="accent1"/>
-            </a:effectRef>
-            <a:fontRef idx="minor">
-              <a:schemeClr val="lt1"/>
-            </a:fontRef>
-          </p:style>
-          <p:txBody>
-            <a:bodyPr rtlCol="0" anchor="ctr"/>
-            <a:lstStyle/>
-            <a:p>
-              <a:pPr algn="ctr"/>
-              <a:endParaRPr lang="en-US">
-                <a:solidFill>
-                  <a:schemeClr val="tx1"/>
-                </a:solidFill>
-              </a:endParaRPr>
-            </a:p>
-          </p:txBody>
-        </p:sp>
-      </p:grpSp>
-    </p:spTree>
-    <p:extLst>
-      <p:ext uri="{BB962C8B-B14F-4D97-AF65-F5344CB8AC3E}">
-        <p14:creationId xmlns:p14="http://schemas.microsoft.com/office/powerpoint/2010/main" val="2717361972"/>
-      </p:ext>
-    </p:extLst>
-  </p:cSld>
-  <p:clrMapOvr>
-    <a:masterClrMapping/>
-  </p:clrMapOvr>
-</p:sld>
-</file>
-
-<file path=ppt/slides/slide17.xml><?xml version="1.0" encoding="utf-8"?>
-<p:sld xmlns:a="http://schemas.openxmlformats.org/drawingml/2006/main" xmlns:r="http://schemas.openxmlformats.org/officeDocument/2006/relationships" xmlns:p="http://schemas.openxmlformats.org/presentationml/2006/main" show="0">
-  <p:cSld>
-    <p:spTree>
-      <p:nvGrpSpPr>
-        <p:cNvPr id="1" name=""/>
-        <p:cNvGrpSpPr/>
-        <p:nvPr/>
-      </p:nvGrpSpPr>
-      <p:grpSpPr>
-        <a:xfrm>
-          <a:off x="0" y="0"/>
-          <a:ext cx="0" cy="0"/>
-          <a:chOff x="0" y="0"/>
-          <a:chExt cx="0" cy="0"/>
-        </a:xfrm>
-      </p:grpSpPr>
-      <p:sp>
-        <p:nvSpPr>
-          <p:cNvPr id="11" name="Content Placeholder 10">
-            <a:extLst>
-              <a:ext uri="{FF2B5EF4-FFF2-40B4-BE49-F238E27FC236}">
-                <a16:creationId xmlns:a16="http://schemas.microsoft.com/office/drawing/2014/main" id="{E8EE2F14-89E1-6740-8BCE-901F6BDFE19B}"/>
-              </a:ext>
-            </a:extLst>
-          </p:cNvPr>
-          <p:cNvSpPr>
-            <a:spLocks noGrp="1"/>
-          </p:cNvSpPr>
-          <p:nvPr>
-            <p:ph idx="1"/>
-          </p:nvPr>
-        </p:nvSpPr>
-        <p:spPr>
-          <a:xfrm>
-            <a:off x="3541487" y="864108"/>
-            <a:ext cx="8397594" cy="5120640"/>
-          </a:xfrm>
-        </p:spPr>
-        <p:txBody>
-          <a:bodyPr anchor="t">
-            <a:normAutofit/>
-          </a:bodyPr>
-          <a:lstStyle/>
-          <a:p>
-            <a:r>
-              <a:rPr lang="en-US" sz="2400" dirty="0"/>
-              <a:t>Using concatenation and casting to string: </a:t>
-            </a:r>
-          </a:p>
-          <a:p>
-            <a:pPr marL="0" indent="0">
-              <a:buNone/>
-            </a:pPr>
-            <a:r>
-              <a:rPr lang="en-US" sz="3200" dirty="0">
-                <a:solidFill>
-                  <a:srgbClr val="A325BE"/>
-                </a:solidFill>
-                <a:latin typeface="Courier" pitchFamily="2" charset="0"/>
-              </a:rPr>
-              <a:t>print</a:t>
-            </a:r>
-            <a:r>
-              <a:rPr lang="en-US" sz="3200" dirty="0">
-                <a:latin typeface="Courier" pitchFamily="2" charset="0"/>
-              </a:rPr>
-              <a:t>(</a:t>
-            </a:r>
-            <a:r>
-              <a:rPr lang="en-US" sz="3200" dirty="0">
-                <a:solidFill>
-                  <a:srgbClr val="00B050"/>
-                </a:solidFill>
-                <a:latin typeface="Courier" pitchFamily="2" charset="0"/>
-              </a:rPr>
-              <a:t>“Total is: $”</a:t>
-            </a:r>
-            <a:r>
-              <a:rPr lang="en-US" sz="3200" dirty="0">
-                <a:latin typeface="Courier" pitchFamily="2" charset="0"/>
-              </a:rPr>
-              <a:t>,</a:t>
-            </a:r>
-            <a:r>
-              <a:rPr lang="en-US" sz="3200" dirty="0">
-                <a:solidFill>
-                  <a:srgbClr val="A325BE"/>
-                </a:solidFill>
-                <a:latin typeface="Courier" pitchFamily="2" charset="0"/>
-              </a:rPr>
-              <a:t>str</a:t>
-            </a:r>
-            <a:r>
-              <a:rPr lang="en-US" sz="3200" dirty="0">
-                <a:latin typeface="Courier" pitchFamily="2" charset="0"/>
-              </a:rPr>
-              <a:t>(</a:t>
-            </a:r>
-            <a:r>
-              <a:rPr lang="en-US" sz="3200" dirty="0">
-                <a:solidFill>
-                  <a:srgbClr val="A325BE"/>
-                </a:solidFill>
-                <a:latin typeface="Courier" pitchFamily="2" charset="0"/>
-              </a:rPr>
-              <a:t>sum</a:t>
-            </a:r>
-            <a:r>
-              <a:rPr lang="en-US" sz="3200" dirty="0">
-                <a:latin typeface="Courier" pitchFamily="2" charset="0"/>
-              </a:rPr>
-              <a:t>(x))))</a:t>
-            </a:r>
-          </a:p>
-        </p:txBody>
-      </p:sp>
-      <p:sp>
-        <p:nvSpPr>
-          <p:cNvPr id="2" name="Title 1">
-            <a:extLst>
-              <a:ext uri="{FF2B5EF4-FFF2-40B4-BE49-F238E27FC236}">
-                <a16:creationId xmlns:a16="http://schemas.microsoft.com/office/drawing/2014/main" id="{1D86C55E-CEFE-6F49-9A01-91F1D64E1D82}"/>
-              </a:ext>
-            </a:extLst>
-          </p:cNvPr>
-          <p:cNvSpPr>
-            <a:spLocks noGrp="1"/>
-          </p:cNvSpPr>
-          <p:nvPr>
-            <p:ph type="title"/>
-          </p:nvPr>
-        </p:nvSpPr>
-        <p:spPr/>
-        <p:txBody>
-          <a:bodyPr/>
-          <a:lstStyle/>
-          <a:p>
-            <a:r>
-              <a:rPr lang="en-US" dirty="0"/>
-              <a:t>Closer, but unsatisfying (and fragile)</a:t>
-            </a:r>
-          </a:p>
-        </p:txBody>
-      </p:sp>
-      <p:pic>
-        <p:nvPicPr>
-          <p:cNvPr id="4" name="Picture 3">
-            <a:extLst>
-              <a:ext uri="{FF2B5EF4-FFF2-40B4-BE49-F238E27FC236}">
-                <a16:creationId xmlns:a16="http://schemas.microsoft.com/office/drawing/2014/main" id="{249DC3F8-C3DE-E248-906F-7FE8FBD21FF5}"/>
-              </a:ext>
-            </a:extLst>
-          </p:cNvPr>
-          <p:cNvPicPr>
-            <a:picLocks noChangeAspect="1"/>
-          </p:cNvPicPr>
-          <p:nvPr/>
-        </p:nvPicPr>
-        <p:blipFill>
-          <a:blip r:embed="rId2"/>
-          <a:stretch>
-            <a:fillRect/>
-          </a:stretch>
-        </p:blipFill>
-        <p:spPr>
-          <a:xfrm>
-            <a:off x="3144907" y="1995582"/>
-            <a:ext cx="8674100" cy="2705100"/>
-          </a:xfrm>
-          <a:prstGeom prst="rect">
-            <a:avLst/>
-          </a:prstGeom>
-        </p:spPr>
-      </p:pic>
-      <p:grpSp>
-        <p:nvGrpSpPr>
-          <p:cNvPr id="10" name="Group 9">
-            <a:extLst>
-              <a:ext uri="{FF2B5EF4-FFF2-40B4-BE49-F238E27FC236}">
-                <a16:creationId xmlns:a16="http://schemas.microsoft.com/office/drawing/2014/main" id="{D45ABFE4-728E-2D45-859A-739AACBFA368}"/>
-              </a:ext>
-            </a:extLst>
-          </p:cNvPr>
-          <p:cNvGrpSpPr/>
-          <p:nvPr/>
-        </p:nvGrpSpPr>
-        <p:grpSpPr>
-          <a:xfrm>
-            <a:off x="5577694" y="2829742"/>
-            <a:ext cx="3254091" cy="1654239"/>
-            <a:chOff x="4031931" y="2637823"/>
-            <a:chExt cx="3254091" cy="1654239"/>
-          </a:xfrm>
-        </p:grpSpPr>
-        <p:sp>
-          <p:nvSpPr>
-            <p:cNvPr id="12" name="TextBox 11">
-              <a:extLst>
-                <a:ext uri="{FF2B5EF4-FFF2-40B4-BE49-F238E27FC236}">
-                  <a16:creationId xmlns:a16="http://schemas.microsoft.com/office/drawing/2014/main" id="{FED35B0D-DF12-994A-8C74-8329B0EC695D}"/>
-                </a:ext>
-              </a:extLst>
-            </p:cNvPr>
-            <p:cNvSpPr txBox="1"/>
-            <p:nvPr/>
-          </p:nvSpPr>
-          <p:spPr>
-            <a:xfrm>
-              <a:off x="4514109" y="3830397"/>
-              <a:ext cx="2771913" cy="461665"/>
-            </a:xfrm>
-            <a:prstGeom prst="rect">
-              <a:avLst/>
-            </a:prstGeom>
-            <a:noFill/>
-          </p:spPr>
-          <p:txBody>
-            <a:bodyPr wrap="none" rtlCol="0">
-              <a:spAutoFit/>
-            </a:bodyPr>
-            <a:lstStyle/>
-            <a:p>
-              <a:pPr algn="ctr"/>
-              <a:r>
-                <a:rPr lang="en-US" sz="2400" dirty="0">
-                  <a:solidFill>
-                    <a:srgbClr val="003470"/>
-                  </a:solidFill>
-                  <a:latin typeface="Arial" panose="020B0604020202020204" pitchFamily="34" charset="0"/>
-                  <a:cs typeface="Arial" panose="020B0604020202020204" pitchFamily="34" charset="0"/>
-                </a:rPr>
-                <a:t>no annoying space</a:t>
-              </a:r>
-            </a:p>
-          </p:txBody>
-        </p:sp>
-        <p:sp>
-          <p:nvSpPr>
-            <p:cNvPr id="13" name="Circular Arrow 12">
-              <a:extLst>
-                <a:ext uri="{FF2B5EF4-FFF2-40B4-BE49-F238E27FC236}">
-                  <a16:creationId xmlns:a16="http://schemas.microsoft.com/office/drawing/2014/main" id="{7034E1A0-7947-984A-8EAA-32D2C762C46F}"/>
-                </a:ext>
-              </a:extLst>
-            </p:cNvPr>
-            <p:cNvSpPr/>
-            <p:nvPr/>
-          </p:nvSpPr>
-          <p:spPr>
-            <a:xfrm rot="320632" flipH="1" flipV="1">
-              <a:off x="4031931" y="2637823"/>
-              <a:ext cx="1576632" cy="1584263"/>
-            </a:xfrm>
-            <a:prstGeom prst="circularArrow">
-              <a:avLst>
-                <a:gd name="adj1" fmla="val 1411"/>
-                <a:gd name="adj2" fmla="val 1563058"/>
-                <a:gd name="adj3" fmla="val 20880751"/>
-                <a:gd name="adj4" fmla="val 17540008"/>
-                <a:gd name="adj5" fmla="val 7233"/>
-              </a:avLst>
-            </a:prstGeom>
-            <a:solidFill>
-              <a:srgbClr val="003470"/>
-            </a:solidFill>
-            <a:ln cap="rnd">
-              <a:solidFill>
-                <a:srgbClr val="003470"/>
-              </a:solidFill>
-            </a:ln>
-          </p:spPr>
-          <p:style>
-            <a:lnRef idx="2">
-              <a:schemeClr val="accent1">
-                <a:shade val="50000"/>
-              </a:schemeClr>
-            </a:lnRef>
-            <a:fillRef idx="1">
-              <a:schemeClr val="accent1"/>
-            </a:fillRef>
-            <a:effectRef idx="0">
-              <a:schemeClr val="accent1"/>
-            </a:effectRef>
-            <a:fontRef idx="minor">
-              <a:schemeClr val="lt1"/>
-            </a:fontRef>
-          </p:style>
-          <p:txBody>
-            <a:bodyPr rtlCol="0" anchor="ctr"/>
-            <a:lstStyle/>
-            <a:p>
-              <a:pPr algn="ctr"/>
-              <a:endParaRPr lang="en-US">
-                <a:solidFill>
-                  <a:schemeClr val="tx1"/>
-                </a:solidFill>
-              </a:endParaRPr>
-            </a:p>
-          </p:txBody>
-        </p:sp>
-      </p:grpSp>
-    </p:spTree>
-    <p:extLst>
-      <p:ext uri="{BB962C8B-B14F-4D97-AF65-F5344CB8AC3E}">
-        <p14:creationId xmlns:p14="http://schemas.microsoft.com/office/powerpoint/2010/main" val="1505393877"/>
-      </p:ext>
-    </p:extLst>
-  </p:cSld>
-  <p:clrMapOvr>
-    <a:masterClrMapping/>
-  </p:clrMapOvr>
-</p:sld>
-</file>
-
-<file path=ppt/slides/slide18.xml><?xml version="1.0" encoding="utf-8"?>
-<p:sld xmlns:a="http://schemas.openxmlformats.org/drawingml/2006/main" xmlns:r="http://schemas.openxmlformats.org/officeDocument/2006/relationships" xmlns:p="http://schemas.openxmlformats.org/presentationml/2006/main" show="0">
-  <p:cSld>
-    <p:spTree>
-      <p:nvGrpSpPr>
-        <p:cNvPr id="1" name=""/>
-        <p:cNvGrpSpPr/>
-        <p:nvPr/>
-      </p:nvGrpSpPr>
-      <p:grpSpPr>
-        <a:xfrm>
-          <a:off x="0" y="0"/>
-          <a:ext cx="0" cy="0"/>
-          <a:chOff x="0" y="0"/>
-          <a:chExt cx="0" cy="0"/>
-        </a:xfrm>
-      </p:grpSpPr>
-      <p:sp>
-        <p:nvSpPr>
-          <p:cNvPr id="11" name="Content Placeholder 10">
-            <a:extLst>
-              <a:ext uri="{FF2B5EF4-FFF2-40B4-BE49-F238E27FC236}">
-                <a16:creationId xmlns:a16="http://schemas.microsoft.com/office/drawing/2014/main" id="{E8EE2F14-89E1-6740-8BCE-901F6BDFE19B}"/>
-              </a:ext>
-            </a:extLst>
-          </p:cNvPr>
-          <p:cNvSpPr>
-            <a:spLocks noGrp="1"/>
-          </p:cNvSpPr>
-          <p:nvPr>
-            <p:ph idx="1"/>
-          </p:nvPr>
-        </p:nvSpPr>
-        <p:spPr>
-          <a:xfrm>
-            <a:off x="3526971" y="864108"/>
-            <a:ext cx="8781143" cy="5120640"/>
-          </a:xfrm>
-        </p:spPr>
-        <p:txBody>
-          <a:bodyPr anchor="t">
-            <a:normAutofit/>
-          </a:bodyPr>
-          <a:lstStyle/>
-          <a:p>
-            <a:r>
-              <a:rPr lang="en-US" sz="2400" dirty="0"/>
-              <a:t>Using concatenation and casting to string: </a:t>
-            </a:r>
-          </a:p>
-          <a:p>
-            <a:pPr marL="0" indent="0">
-              <a:buNone/>
-            </a:pPr>
-            <a:r>
-              <a:rPr lang="en-US" sz="3200" dirty="0">
-                <a:solidFill>
-                  <a:srgbClr val="A325BE"/>
-                </a:solidFill>
-                <a:latin typeface="Courier" pitchFamily="2" charset="0"/>
-              </a:rPr>
-              <a:t>print</a:t>
-            </a:r>
-            <a:r>
-              <a:rPr lang="en-US" sz="3200" dirty="0">
-                <a:latin typeface="Courier" pitchFamily="2" charset="0"/>
-              </a:rPr>
-              <a:t>(</a:t>
-            </a:r>
-            <a:r>
-              <a:rPr lang="en-US" sz="3200" dirty="0">
-                <a:solidFill>
-                  <a:srgbClr val="00B050"/>
-                </a:solidFill>
-                <a:latin typeface="Courier" pitchFamily="2" charset="0"/>
-              </a:rPr>
-              <a:t>“Total is: $”</a:t>
-            </a:r>
-            <a:r>
-              <a:rPr lang="en-US" sz="3200" dirty="0">
-                <a:latin typeface="Courier" pitchFamily="2" charset="0"/>
-              </a:rPr>
-              <a:t>, </a:t>
-            </a:r>
-            <a:r>
-              <a:rPr lang="en-US" sz="3200" dirty="0">
-                <a:solidFill>
-                  <a:srgbClr val="A325BE"/>
-                </a:solidFill>
-                <a:latin typeface="Courier" pitchFamily="2" charset="0"/>
-              </a:rPr>
-              <a:t>str</a:t>
-            </a:r>
-            <a:r>
-              <a:rPr lang="en-US" sz="3200" dirty="0">
-                <a:latin typeface="Courier" pitchFamily="2" charset="0"/>
-              </a:rPr>
-              <a:t>(</a:t>
-            </a:r>
-            <a:r>
-              <a:rPr lang="en-US" sz="3200" dirty="0">
-                <a:solidFill>
-                  <a:srgbClr val="A325BE"/>
-                </a:solidFill>
-                <a:latin typeface="Courier" pitchFamily="2" charset="0"/>
-              </a:rPr>
-              <a:t>sum</a:t>
-            </a:r>
-            <a:r>
-              <a:rPr lang="en-US" sz="3200" dirty="0">
-                <a:latin typeface="Courier" pitchFamily="2" charset="0"/>
-              </a:rPr>
-              <a:t>(x))))</a:t>
-            </a:r>
-          </a:p>
-        </p:txBody>
-      </p:sp>
-      <p:sp>
-        <p:nvSpPr>
-          <p:cNvPr id="2" name="Title 1">
-            <a:extLst>
-              <a:ext uri="{FF2B5EF4-FFF2-40B4-BE49-F238E27FC236}">
-                <a16:creationId xmlns:a16="http://schemas.microsoft.com/office/drawing/2014/main" id="{1D86C55E-CEFE-6F49-9A01-91F1D64E1D82}"/>
-              </a:ext>
-            </a:extLst>
-          </p:cNvPr>
-          <p:cNvSpPr>
-            <a:spLocks noGrp="1"/>
-          </p:cNvSpPr>
-          <p:nvPr>
-            <p:ph type="title"/>
-          </p:nvPr>
-        </p:nvSpPr>
-        <p:spPr/>
-        <p:txBody>
-          <a:bodyPr/>
-          <a:lstStyle/>
-          <a:p>
-            <a:r>
-              <a:rPr lang="en-US" dirty="0"/>
-              <a:t>Closer, but unsatisfying (and fragile)</a:t>
-            </a:r>
-          </a:p>
-        </p:txBody>
-      </p:sp>
-      <p:pic>
-        <p:nvPicPr>
-          <p:cNvPr id="4" name="Picture 3">
-            <a:extLst>
-              <a:ext uri="{FF2B5EF4-FFF2-40B4-BE49-F238E27FC236}">
-                <a16:creationId xmlns:a16="http://schemas.microsoft.com/office/drawing/2014/main" id="{249DC3F8-C3DE-E248-906F-7FE8FBD21FF5}"/>
-              </a:ext>
-            </a:extLst>
-          </p:cNvPr>
-          <p:cNvPicPr>
-            <a:picLocks noChangeAspect="1"/>
-          </p:cNvPicPr>
-          <p:nvPr/>
-        </p:nvPicPr>
-        <p:blipFill>
-          <a:blip r:embed="rId2"/>
-          <a:stretch>
-            <a:fillRect/>
-          </a:stretch>
-        </p:blipFill>
-        <p:spPr>
-          <a:xfrm>
-            <a:off x="3264981" y="1960615"/>
-            <a:ext cx="8674100" cy="2705100"/>
-          </a:xfrm>
-          <a:prstGeom prst="rect">
-            <a:avLst/>
-          </a:prstGeom>
-        </p:spPr>
-      </p:pic>
-      <p:grpSp>
-        <p:nvGrpSpPr>
-          <p:cNvPr id="10" name="Group 9">
-            <a:extLst>
-              <a:ext uri="{FF2B5EF4-FFF2-40B4-BE49-F238E27FC236}">
-                <a16:creationId xmlns:a16="http://schemas.microsoft.com/office/drawing/2014/main" id="{D45ABFE4-728E-2D45-859A-739AACBFA368}"/>
-              </a:ext>
-            </a:extLst>
-          </p:cNvPr>
-          <p:cNvGrpSpPr/>
-          <p:nvPr/>
-        </p:nvGrpSpPr>
-        <p:grpSpPr>
-          <a:xfrm>
-            <a:off x="6164900" y="2863522"/>
-            <a:ext cx="2874261" cy="1959776"/>
-            <a:chOff x="4031931" y="2637823"/>
-            <a:chExt cx="2874261" cy="1959776"/>
-          </a:xfrm>
-        </p:grpSpPr>
-        <p:sp>
-          <p:nvSpPr>
-            <p:cNvPr id="12" name="TextBox 11">
-              <a:extLst>
-                <a:ext uri="{FF2B5EF4-FFF2-40B4-BE49-F238E27FC236}">
-                  <a16:creationId xmlns:a16="http://schemas.microsoft.com/office/drawing/2014/main" id="{FED35B0D-DF12-994A-8C74-8329B0EC695D}"/>
-                </a:ext>
-              </a:extLst>
-            </p:cNvPr>
-            <p:cNvSpPr txBox="1"/>
-            <p:nvPr/>
-          </p:nvSpPr>
-          <p:spPr>
-            <a:xfrm>
-              <a:off x="4341067" y="3766602"/>
-              <a:ext cx="2565125" cy="830997"/>
-            </a:xfrm>
-            <a:prstGeom prst="rect">
-              <a:avLst/>
-            </a:prstGeom>
-            <a:noFill/>
-          </p:spPr>
-          <p:txBody>
-            <a:bodyPr wrap="none" rtlCol="0">
-              <a:spAutoFit/>
-            </a:bodyPr>
-            <a:lstStyle/>
-            <a:p>
-              <a:pPr algn="ctr"/>
-              <a:r>
-                <a:rPr lang="en-US" sz="2400" dirty="0">
-                  <a:solidFill>
-                    <a:srgbClr val="003470"/>
-                  </a:solidFill>
-                  <a:latin typeface="Arial" panose="020B0604020202020204" pitchFamily="34" charset="0"/>
-                  <a:cs typeface="Arial" panose="020B0604020202020204" pitchFamily="34" charset="0"/>
-                </a:rPr>
-                <a:t>wrong number</a:t>
-              </a:r>
-            </a:p>
-            <a:p>
-              <a:pPr algn="ctr"/>
-              <a:r>
-                <a:rPr lang="en-US" sz="2400" dirty="0">
-                  <a:solidFill>
-                    <a:srgbClr val="003470"/>
-                  </a:solidFill>
-                  <a:latin typeface="Arial" panose="020B0604020202020204" pitchFamily="34" charset="0"/>
-                  <a:cs typeface="Arial" panose="020B0604020202020204" pitchFamily="34" charset="0"/>
-                </a:rPr>
-                <a:t>of decimal places</a:t>
-              </a:r>
-            </a:p>
-          </p:txBody>
-        </p:sp>
-        <p:sp>
-          <p:nvSpPr>
-            <p:cNvPr id="13" name="Circular Arrow 12">
-              <a:extLst>
-                <a:ext uri="{FF2B5EF4-FFF2-40B4-BE49-F238E27FC236}">
-                  <a16:creationId xmlns:a16="http://schemas.microsoft.com/office/drawing/2014/main" id="{7034E1A0-7947-984A-8EAA-32D2C762C46F}"/>
-                </a:ext>
-              </a:extLst>
-            </p:cNvPr>
-            <p:cNvSpPr/>
-            <p:nvPr/>
-          </p:nvSpPr>
-          <p:spPr>
-            <a:xfrm rot="320632" flipH="1" flipV="1">
-              <a:off x="4031931" y="2637823"/>
-              <a:ext cx="1576632" cy="1584263"/>
-            </a:xfrm>
-            <a:prstGeom prst="circularArrow">
-              <a:avLst>
-                <a:gd name="adj1" fmla="val 1411"/>
-                <a:gd name="adj2" fmla="val 1563058"/>
-                <a:gd name="adj3" fmla="val 20880751"/>
-                <a:gd name="adj4" fmla="val 17540008"/>
-                <a:gd name="adj5" fmla="val 7233"/>
-              </a:avLst>
-            </a:prstGeom>
-            <a:solidFill>
-              <a:srgbClr val="003470"/>
-            </a:solidFill>
-            <a:ln cap="rnd">
-              <a:solidFill>
-                <a:srgbClr val="003470"/>
-              </a:solidFill>
-            </a:ln>
-          </p:spPr>
-          <p:style>
-            <a:lnRef idx="2">
-              <a:schemeClr val="accent1">
-                <a:shade val="50000"/>
-              </a:schemeClr>
-            </a:lnRef>
-            <a:fillRef idx="1">
-              <a:schemeClr val="accent1"/>
-            </a:fillRef>
-            <a:effectRef idx="0">
-              <a:schemeClr val="accent1"/>
-            </a:effectRef>
-            <a:fontRef idx="minor">
-              <a:schemeClr val="lt1"/>
-            </a:fontRef>
-          </p:style>
-          <p:txBody>
-            <a:bodyPr rtlCol="0" anchor="ctr"/>
-            <a:lstStyle/>
-            <a:p>
-              <a:pPr algn="ctr"/>
-              <a:endParaRPr lang="en-US">
-                <a:solidFill>
-                  <a:schemeClr val="tx1"/>
-                </a:solidFill>
-              </a:endParaRPr>
-            </a:p>
-          </p:txBody>
-        </p:sp>
-      </p:grpSp>
-    </p:spTree>
-    <p:extLst>
-      <p:ext uri="{BB962C8B-B14F-4D97-AF65-F5344CB8AC3E}">
-        <p14:creationId xmlns:p14="http://schemas.microsoft.com/office/powerpoint/2010/main" val="4240406759"/>
-      </p:ext>
-    </p:extLst>
-  </p:cSld>
-  <p:clrMapOvr>
-    <a:masterClrMapping/>
-  </p:clrMapOvr>
-</p:sld>
-</file>
-
-<file path=ppt/slides/slide19.xml><?xml version="1.0" encoding="utf-8"?>
-<p:sld xmlns:a="http://schemas.openxmlformats.org/drawingml/2006/main" xmlns:r="http://schemas.openxmlformats.org/officeDocument/2006/relationships" xmlns:p="http://schemas.openxmlformats.org/presentationml/2006/main" show="0">
-  <p:cSld>
-    <p:spTree>
-      <p:nvGrpSpPr>
-        <p:cNvPr id="1" name=""/>
-        <p:cNvGrpSpPr/>
-        <p:nvPr/>
-      </p:nvGrpSpPr>
-      <p:grpSpPr>
-        <a:xfrm>
-          <a:off x="0" y="0"/>
-          <a:ext cx="0" cy="0"/>
-          <a:chOff x="0" y="0"/>
-          <a:chExt cx="0" cy="0"/>
-        </a:xfrm>
-      </p:grpSpPr>
-      <p:sp>
-        <p:nvSpPr>
-          <p:cNvPr id="2" name="Title 1">
-            <a:extLst>
-              <a:ext uri="{FF2B5EF4-FFF2-40B4-BE49-F238E27FC236}">
-                <a16:creationId xmlns:a16="http://schemas.microsoft.com/office/drawing/2014/main" id="{2E38AC70-A39E-1B43-A913-06B0348E113B}"/>
-              </a:ext>
-            </a:extLst>
-          </p:cNvPr>
-          <p:cNvSpPr>
-            <a:spLocks noGrp="1"/>
-          </p:cNvSpPr>
-          <p:nvPr>
-            <p:ph type="title"/>
-          </p:nvPr>
-        </p:nvSpPr>
-        <p:spPr/>
-        <p:txBody>
-          <a:bodyPr/>
-          <a:lstStyle/>
-          <a:p>
-            <a:r>
-              <a:rPr lang="en-US" b="1" dirty="0"/>
-              <a:t>Solution</a:t>
-            </a:r>
-            <a:r>
-              <a:rPr lang="en-US" dirty="0"/>
-              <a:t>: formatting with </a:t>
-            </a:r>
-            <a:r>
-              <a:rPr lang="en-US" b="1" dirty="0">
-                <a:latin typeface="Courier" pitchFamily="2" charset="0"/>
-              </a:rPr>
-              <a:t>.format()</a:t>
-            </a:r>
-            <a:endParaRPr lang="en-US" dirty="0"/>
-          </a:p>
-        </p:txBody>
-      </p:sp>
-      <p:sp>
-        <p:nvSpPr>
-          <p:cNvPr id="3" name="Content Placeholder 2">
-            <a:extLst>
-              <a:ext uri="{FF2B5EF4-FFF2-40B4-BE49-F238E27FC236}">
-                <a16:creationId xmlns:a16="http://schemas.microsoft.com/office/drawing/2014/main" id="{E8B7ECB0-5867-B64B-B864-FCC223AF1C6C}"/>
-              </a:ext>
-            </a:extLst>
-          </p:cNvPr>
-          <p:cNvSpPr>
-            <a:spLocks noGrp="1"/>
-          </p:cNvSpPr>
-          <p:nvPr>
-            <p:ph idx="1"/>
-          </p:nvPr>
-        </p:nvSpPr>
-        <p:spPr>
-          <a:xfrm>
-            <a:off x="3869267" y="864108"/>
-            <a:ext cx="7843761" cy="5120640"/>
-          </a:xfrm>
-        </p:spPr>
-        <p:txBody>
-          <a:bodyPr anchor="t">
-            <a:noAutofit/>
-          </a:bodyPr>
-          <a:lstStyle/>
-          <a:p>
-            <a:pPr>
-              <a:spcBef>
-                <a:spcPts val="0"/>
-              </a:spcBef>
-            </a:pPr>
-            <a:r>
-              <a:rPr lang="en-US" sz="2800" dirty="0"/>
-              <a:t>The </a:t>
-            </a:r>
-            <a:r>
-              <a:rPr lang="en-US" sz="2800" b="1" dirty="0">
-                <a:latin typeface="Courier" pitchFamily="2" charset="0"/>
-              </a:rPr>
-              <a:t>.format()</a:t>
-            </a:r>
-            <a:r>
-              <a:rPr lang="en-US" sz="2800" dirty="0"/>
-              <a:t> method (which gets called on a </a:t>
-            </a:r>
-            <a:r>
-              <a:rPr lang="en-US" sz="2800" b="1" dirty="0">
-                <a:latin typeface="Courier" pitchFamily="2" charset="0"/>
-              </a:rPr>
-              <a:t>string</a:t>
-            </a:r>
-            <a:r>
-              <a:rPr lang="en-US" sz="2800" dirty="0"/>
-              <a:t>) might be helpful here!</a:t>
-            </a:r>
-            <a:endParaRPr lang="en-US" sz="2800" dirty="0">
-              <a:latin typeface="Courier" pitchFamily="2" charset="0"/>
-            </a:endParaRPr>
-          </a:p>
-          <a:p>
-            <a:pPr marL="0" indent="0">
-              <a:buNone/>
-            </a:pPr>
-            <a:endParaRPr lang="en-US" sz="2800" dirty="0">
-              <a:latin typeface="Arial" panose="020B0604020202020204" pitchFamily="34" charset="0"/>
-              <a:cs typeface="Arial" panose="020B0604020202020204" pitchFamily="34" charset="0"/>
-            </a:endParaRPr>
-          </a:p>
-          <a:p>
-            <a:pPr marL="0" indent="0">
-              <a:buNone/>
-            </a:pPr>
-            <a:endParaRPr lang="en-US" sz="2800" dirty="0">
-              <a:latin typeface="Arial" panose="020B0604020202020204" pitchFamily="34" charset="0"/>
-              <a:cs typeface="Arial" panose="020B0604020202020204" pitchFamily="34" charset="0"/>
-            </a:endParaRPr>
-          </a:p>
-          <a:p>
-            <a:pPr marL="0" indent="0">
-              <a:buNone/>
-            </a:pPr>
-            <a:endParaRPr lang="en-US" sz="2800" dirty="0">
-              <a:latin typeface="Arial" panose="020B0604020202020204" pitchFamily="34" charset="0"/>
-              <a:cs typeface="Arial" panose="020B0604020202020204" pitchFamily="34" charset="0"/>
-            </a:endParaRPr>
-          </a:p>
-          <a:p>
-            <a:pPr marL="1841500" indent="0">
-              <a:buNone/>
-            </a:pPr>
-            <a:endParaRPr lang="en-US" sz="2800" dirty="0">
-              <a:latin typeface="Arial" panose="020B0604020202020204" pitchFamily="34" charset="0"/>
-              <a:cs typeface="Arial" panose="020B0604020202020204" pitchFamily="34" charset="0"/>
-            </a:endParaRPr>
-          </a:p>
-          <a:p>
-            <a:pPr marL="1841500" indent="0">
-              <a:buNone/>
-            </a:pPr>
-            <a:endParaRPr lang="en-US" sz="2800" b="1" dirty="0">
-              <a:latin typeface="Arial" panose="020B0604020202020204" pitchFamily="34" charset="0"/>
-              <a:cs typeface="Arial" panose="020B0604020202020204" pitchFamily="34" charset="0"/>
-            </a:endParaRPr>
-          </a:p>
-          <a:p>
-            <a:pPr marL="1841500" indent="0">
-              <a:buNone/>
-            </a:pPr>
-            <a:endParaRPr lang="en-US" sz="2800" b="1" dirty="0">
-              <a:latin typeface="Arial" panose="020B0604020202020204" pitchFamily="34" charset="0"/>
-              <a:cs typeface="Arial" panose="020B0604020202020204" pitchFamily="34" charset="0"/>
-            </a:endParaRPr>
-          </a:p>
-        </p:txBody>
-      </p:sp>
-    </p:spTree>
-    <p:extLst>
-      <p:ext uri="{BB962C8B-B14F-4D97-AF65-F5344CB8AC3E}">
-        <p14:creationId xmlns:p14="http://schemas.microsoft.com/office/powerpoint/2010/main" val="2008301057"/>
-      </p:ext>
-    </p:extLst>
-  </p:cSld>
-  <p:clrMapOvr>
-    <a:masterClrMapping/>
-  </p:clrMapOvr>
-</p:sld>
-</file>
-
-<file path=ppt/slides/slide2.xml><?xml version="1.0" encoding="utf-8"?>
+<file path=ppt/slides/slide13.xml><?xml version="1.0" encoding="utf-8"?>
 <p:sld xmlns:a="http://schemas.openxmlformats.org/drawingml/2006/main" xmlns:r="http://schemas.openxmlformats.org/officeDocument/2006/relationships" xmlns:p="http://schemas.openxmlformats.org/presentationml/2006/main">
   <p:cSld>
     <p:spTree>
@@ -6921,7 +5010,7 @@
           <p:cNvPr id="2" name="Title 1">
             <a:extLst>
               <a:ext uri="{FF2B5EF4-FFF2-40B4-BE49-F238E27FC236}">
-                <a16:creationId xmlns:a16="http://schemas.microsoft.com/office/drawing/2014/main" id="{10D330C2-52A4-1ABA-980B-56FBC97F350C}"/>
+                <a16:creationId xmlns:a16="http://schemas.microsoft.com/office/drawing/2014/main" id="{2E38AC70-A39E-1B43-A913-06B0348E113B}"/>
               </a:ext>
             </a:extLst>
           </p:cNvPr>
@@ -6938,9 +5027,20 @@
           <a:lstStyle/>
           <a:p>
             <a:r>
+              <a:rPr lang="en-US" b="1" dirty="0"/>
+              <a:t>Solution</a:t>
+            </a:r>
+            <a:r>
               <a:rPr lang="en-US" dirty="0"/>
-              <a:t>Plan for Today</a:t>
-            </a:r>
+              <a:t>: formatting with </a:t>
+            </a:r>
+            <a:r>
+              <a:rPr lang="en-US" b="1" dirty="0">
+                <a:latin typeface="Courier" pitchFamily="2" charset="0"/>
+              </a:rPr>
+              <a:t>.format()</a:t>
+            </a:r>
+            <a:endParaRPr lang="en-US" dirty="0"/>
           </a:p>
         </p:txBody>
       </p:sp>
@@ -6949,7 +5049,7 @@
           <p:cNvPr id="3" name="Content Placeholder 2">
             <a:extLst>
               <a:ext uri="{FF2B5EF4-FFF2-40B4-BE49-F238E27FC236}">
-                <a16:creationId xmlns:a16="http://schemas.microsoft.com/office/drawing/2014/main" id="{9EAE50F6-429C-715A-C25C-1C7744AED1CF}"/>
+                <a16:creationId xmlns:a16="http://schemas.microsoft.com/office/drawing/2014/main" id="{E8B7ECB0-5867-B64B-B864-FCC223AF1C6C}"/>
               </a:ext>
             </a:extLst>
           </p:cNvPr>
@@ -6960,35 +5060,111 @@
             <p:ph idx="1"/>
           </p:nvPr>
         </p:nvSpPr>
-        <p:spPr/>
-        <p:txBody>
-          <a:bodyPr>
-            <a:normAutofit/>
+        <p:spPr>
+          <a:xfrm>
+            <a:off x="3869267" y="864108"/>
+            <a:ext cx="7843761" cy="5120640"/>
+          </a:xfrm>
+        </p:spPr>
+        <p:txBody>
+          <a:bodyPr anchor="t">
+            <a:noAutofit/>
           </a:bodyPr>
           <a:lstStyle/>
           <a:p>
-            <a:r>
-              <a:rPr lang="en-US" sz="2400" dirty="0"/>
-              <a:t>More mathematical operators </a:t>
-            </a:r>
-          </a:p>
-          <a:p>
-            <a:r>
-              <a:rPr lang="en-US" sz="2400" dirty="0"/>
-              <a:t>Formatting </a:t>
-            </a:r>
-            <a:r>
-              <a:rPr lang="en-US" sz="2400"/>
-              <a:t>print statements </a:t>
-            </a:r>
-            <a:endParaRPr lang="en-US" sz="2400" dirty="0"/>
+            <a:pPr>
+              <a:spcBef>
+                <a:spcPts val="0"/>
+              </a:spcBef>
+            </a:pPr>
+            <a:r>
+              <a:rPr lang="en-US" sz="2800" dirty="0"/>
+              <a:t>The </a:t>
+            </a:r>
+            <a:r>
+              <a:rPr lang="en-US" sz="2800" b="1" dirty="0">
+                <a:latin typeface="Courier" pitchFamily="2" charset="0"/>
+              </a:rPr>
+              <a:t>.format()</a:t>
+            </a:r>
+            <a:r>
+              <a:rPr lang="en-US" sz="2800" dirty="0"/>
+              <a:t> method (which gets called on a </a:t>
+            </a:r>
+            <a:r>
+              <a:rPr lang="en-US" sz="2800" b="1" dirty="0">
+                <a:latin typeface="Courier" pitchFamily="2" charset="0"/>
+              </a:rPr>
+              <a:t>string</a:t>
+            </a:r>
+            <a:r>
+              <a:rPr lang="en-US" sz="2800" dirty="0"/>
+              <a:t>) might be helpful here!</a:t>
+            </a:r>
+            <a:endParaRPr lang="en-US" sz="2800" dirty="0">
+              <a:latin typeface="Courier" pitchFamily="2" charset="0"/>
+            </a:endParaRPr>
+          </a:p>
+          <a:p>
+            <a:pPr marL="0" indent="0">
+              <a:buNone/>
+            </a:pPr>
+            <a:endParaRPr lang="en-US" sz="2800" dirty="0">
+              <a:latin typeface="Arial" panose="020B0604020202020204" pitchFamily="34" charset="0"/>
+              <a:cs typeface="Arial" panose="020B0604020202020204" pitchFamily="34" charset="0"/>
+            </a:endParaRPr>
+          </a:p>
+          <a:p>
+            <a:pPr marL="0" indent="0">
+              <a:buNone/>
+            </a:pPr>
+            <a:endParaRPr lang="en-US" sz="2800" dirty="0">
+              <a:latin typeface="Arial" panose="020B0604020202020204" pitchFamily="34" charset="0"/>
+              <a:cs typeface="Arial" panose="020B0604020202020204" pitchFamily="34" charset="0"/>
+            </a:endParaRPr>
+          </a:p>
+          <a:p>
+            <a:pPr marL="0" indent="0">
+              <a:buNone/>
+            </a:pPr>
+            <a:endParaRPr lang="en-US" sz="2800" dirty="0">
+              <a:latin typeface="Arial" panose="020B0604020202020204" pitchFamily="34" charset="0"/>
+              <a:cs typeface="Arial" panose="020B0604020202020204" pitchFamily="34" charset="0"/>
+            </a:endParaRPr>
+          </a:p>
+          <a:p>
+            <a:pPr marL="1841500" indent="0">
+              <a:buNone/>
+            </a:pPr>
+            <a:endParaRPr lang="en-US" sz="2800" dirty="0">
+              <a:latin typeface="Arial" panose="020B0604020202020204" pitchFamily="34" charset="0"/>
+              <a:cs typeface="Arial" panose="020B0604020202020204" pitchFamily="34" charset="0"/>
+            </a:endParaRPr>
+          </a:p>
+          <a:p>
+            <a:pPr marL="1841500" indent="0">
+              <a:buNone/>
+            </a:pPr>
+            <a:endParaRPr lang="en-US" sz="2800" b="1" dirty="0">
+              <a:latin typeface="Arial" panose="020B0604020202020204" pitchFamily="34" charset="0"/>
+              <a:cs typeface="Arial" panose="020B0604020202020204" pitchFamily="34" charset="0"/>
+            </a:endParaRPr>
+          </a:p>
+          <a:p>
+            <a:pPr marL="1841500" indent="0">
+              <a:buNone/>
+            </a:pPr>
+            <a:endParaRPr lang="en-US" sz="2800" b="1" dirty="0">
+              <a:latin typeface="Arial" panose="020B0604020202020204" pitchFamily="34" charset="0"/>
+              <a:cs typeface="Arial" panose="020B0604020202020204" pitchFamily="34" charset="0"/>
+            </a:endParaRPr>
           </a:p>
         </p:txBody>
       </p:sp>
     </p:spTree>
     <p:extLst>
       <p:ext uri="{BB962C8B-B14F-4D97-AF65-F5344CB8AC3E}">
-        <p14:creationId xmlns:p14="http://schemas.microsoft.com/office/powerpoint/2010/main" val="1085546165"/>
+        <p14:creationId xmlns:p14="http://schemas.microsoft.com/office/powerpoint/2010/main" val="2008301057"/>
       </p:ext>
     </p:extLst>
   </p:cSld>
@@ -6998,8 +5174,8 @@
 </p:sld>
 </file>
 
-<file path=ppt/slides/slide20.xml><?xml version="1.0" encoding="utf-8"?>
-<p:sld xmlns:a="http://schemas.openxmlformats.org/drawingml/2006/main" xmlns:r="http://schemas.openxmlformats.org/officeDocument/2006/relationships" xmlns:p="http://schemas.openxmlformats.org/presentationml/2006/main" show="0">
+<file path=ppt/slides/slide14.xml><?xml version="1.0" encoding="utf-8"?>
+<p:sld xmlns:a="http://schemas.openxmlformats.org/drawingml/2006/main" xmlns:r="http://schemas.openxmlformats.org/officeDocument/2006/relationships" xmlns:p="http://schemas.openxmlformats.org/presentationml/2006/main">
   <p:cSld>
     <p:spTree>
       <p:nvGrpSpPr>
@@ -7516,8 +5692,8 @@
 </p:sld>
 </file>
 
-<file path=ppt/slides/slide21.xml><?xml version="1.0" encoding="utf-8"?>
-<p:sld xmlns:a="http://schemas.openxmlformats.org/drawingml/2006/main" xmlns:r="http://schemas.openxmlformats.org/officeDocument/2006/relationships" xmlns:p="http://schemas.openxmlformats.org/presentationml/2006/main" show="0">
+<file path=ppt/slides/slide15.xml><?xml version="1.0" encoding="utf-8"?>
+<p:sld xmlns:a="http://schemas.openxmlformats.org/drawingml/2006/main" xmlns:r="http://schemas.openxmlformats.org/officeDocument/2006/relationships" xmlns:p="http://schemas.openxmlformats.org/presentationml/2006/main">
   <p:cSld>
     <p:spTree>
       <p:nvGrpSpPr>
@@ -7767,8 +5943,8 @@
 </p:sld>
 </file>
 
-<file path=ppt/slides/slide22.xml><?xml version="1.0" encoding="utf-8"?>
-<p:sld xmlns:a="http://schemas.openxmlformats.org/drawingml/2006/main" xmlns:r="http://schemas.openxmlformats.org/officeDocument/2006/relationships" xmlns:p="http://schemas.openxmlformats.org/presentationml/2006/main" show="0">
+<file path=ppt/slides/slide16.xml><?xml version="1.0" encoding="utf-8"?>
+<p:sld xmlns:a="http://schemas.openxmlformats.org/drawingml/2006/main" xmlns:r="http://schemas.openxmlformats.org/officeDocument/2006/relationships" xmlns:p="http://schemas.openxmlformats.org/presentationml/2006/main">
   <p:cSld>
     <p:spTree>
       <p:nvGrpSpPr>
@@ -8115,8 +6291,8 @@
 </p:sld>
 </file>
 
-<file path=ppt/slides/slide23.xml><?xml version="1.0" encoding="utf-8"?>
-<p:sld xmlns:a="http://schemas.openxmlformats.org/drawingml/2006/main" xmlns:r="http://schemas.openxmlformats.org/officeDocument/2006/relationships" xmlns:p="http://schemas.openxmlformats.org/presentationml/2006/main" show="0">
+<file path=ppt/slides/slide17.xml><?xml version="1.0" encoding="utf-8"?>
+<p:sld xmlns:a="http://schemas.openxmlformats.org/drawingml/2006/main" xmlns:r="http://schemas.openxmlformats.org/officeDocument/2006/relationships" xmlns:p="http://schemas.openxmlformats.org/presentationml/2006/main">
   <p:cSld>
     <p:spTree>
       <p:nvGrpSpPr>
@@ -8707,8 +6883,8 @@
 </p:sld>
 </file>
 
-<file path=ppt/slides/slide24.xml><?xml version="1.0" encoding="utf-8"?>
-<p:sld xmlns:a="http://schemas.openxmlformats.org/drawingml/2006/main" xmlns:r="http://schemas.openxmlformats.org/officeDocument/2006/relationships" xmlns:p="http://schemas.openxmlformats.org/presentationml/2006/main" show="0">
+<file path=ppt/slides/slide18.xml><?xml version="1.0" encoding="utf-8"?>
+<p:sld xmlns:a="http://schemas.openxmlformats.org/drawingml/2006/main" xmlns:r="http://schemas.openxmlformats.org/officeDocument/2006/relationships" xmlns:p="http://schemas.openxmlformats.org/presentationml/2006/main">
   <p:cSld>
     <p:spTree>
       <p:nvGrpSpPr>
@@ -8850,7 +7026,7 @@
                 <a:latin typeface="Courier" pitchFamily="2" charset="0"/>
                 <a:cs typeface="Arial" panose="020B0604020202020204" pitchFamily="34" charset="0"/>
               </a:rPr>
-              <a:t>| Name:     Jordan Crouser    |</a:t>
+              <a:t>| Name:     Jordan Crouser |</a:t>
             </a:r>
           </a:p>
           <a:p>
@@ -8906,8 +7082,8 @@
 </p:sld>
 </file>
 
-<file path=ppt/slides/slide25.xml><?xml version="1.0" encoding="utf-8"?>
-<p:sld xmlns:a="http://schemas.openxmlformats.org/drawingml/2006/main" xmlns:r="http://schemas.openxmlformats.org/officeDocument/2006/relationships" xmlns:p="http://schemas.openxmlformats.org/presentationml/2006/main" show="0">
+<file path=ppt/slides/slide19.xml><?xml version="1.0" encoding="utf-8"?>
+<p:sld xmlns:a="http://schemas.openxmlformats.org/drawingml/2006/main" xmlns:r="http://schemas.openxmlformats.org/officeDocument/2006/relationships" xmlns:p="http://schemas.openxmlformats.org/presentationml/2006/main">
   <p:cSld>
     <p:spTree>
       <p:nvGrpSpPr>
@@ -9099,8 +7275,102 @@
 </p:sld>
 </file>
 
-<file path=ppt/slides/slide26.xml><?xml version="1.0" encoding="utf-8"?>
-<p:sld xmlns:a="http://schemas.openxmlformats.org/drawingml/2006/main" xmlns:r="http://schemas.openxmlformats.org/officeDocument/2006/relationships" xmlns:p="http://schemas.openxmlformats.org/presentationml/2006/main" show="0">
+<file path=ppt/slides/slide2.xml><?xml version="1.0" encoding="utf-8"?>
+<p:sld xmlns:a="http://schemas.openxmlformats.org/drawingml/2006/main" xmlns:r="http://schemas.openxmlformats.org/officeDocument/2006/relationships" xmlns:p="http://schemas.openxmlformats.org/presentationml/2006/main">
+  <p:cSld>
+    <p:spTree>
+      <p:nvGrpSpPr>
+        <p:cNvPr id="1" name=""/>
+        <p:cNvGrpSpPr/>
+        <p:nvPr/>
+      </p:nvGrpSpPr>
+      <p:grpSpPr>
+        <a:xfrm>
+          <a:off x="0" y="0"/>
+          <a:ext cx="0" cy="0"/>
+          <a:chOff x="0" y="0"/>
+          <a:chExt cx="0" cy="0"/>
+        </a:xfrm>
+      </p:grpSpPr>
+      <p:sp>
+        <p:nvSpPr>
+          <p:cNvPr id="2" name="Title 1">
+            <a:extLst>
+              <a:ext uri="{FF2B5EF4-FFF2-40B4-BE49-F238E27FC236}">
+                <a16:creationId xmlns:a16="http://schemas.microsoft.com/office/drawing/2014/main" id="{10D330C2-52A4-1ABA-980B-56FBC97F350C}"/>
+              </a:ext>
+            </a:extLst>
+          </p:cNvPr>
+          <p:cNvSpPr>
+            <a:spLocks noGrp="1"/>
+          </p:cNvSpPr>
+          <p:nvPr>
+            <p:ph type="title"/>
+          </p:nvPr>
+        </p:nvSpPr>
+        <p:spPr/>
+        <p:txBody>
+          <a:bodyPr/>
+          <a:lstStyle/>
+          <a:p>
+            <a:r>
+              <a:rPr lang="en-US" dirty="0"/>
+              <a:t>Plan for Today</a:t>
+            </a:r>
+          </a:p>
+        </p:txBody>
+      </p:sp>
+      <p:sp>
+        <p:nvSpPr>
+          <p:cNvPr id="3" name="Content Placeholder 2">
+            <a:extLst>
+              <a:ext uri="{FF2B5EF4-FFF2-40B4-BE49-F238E27FC236}">
+                <a16:creationId xmlns:a16="http://schemas.microsoft.com/office/drawing/2014/main" id="{9EAE50F6-429C-715A-C25C-1C7744AED1CF}"/>
+              </a:ext>
+            </a:extLst>
+          </p:cNvPr>
+          <p:cNvSpPr>
+            <a:spLocks noGrp="1"/>
+          </p:cNvSpPr>
+          <p:nvPr>
+            <p:ph idx="1"/>
+          </p:nvPr>
+        </p:nvSpPr>
+        <p:spPr/>
+        <p:txBody>
+          <a:bodyPr>
+            <a:normAutofit/>
+          </a:bodyPr>
+          <a:lstStyle/>
+          <a:p>
+            <a:r>
+              <a:rPr lang="en-US" sz="2400" dirty="0"/>
+              <a:t>Mathematical operators </a:t>
+            </a:r>
+          </a:p>
+          <a:p>
+            <a:r>
+              <a:rPr lang="en-US" sz="2400" dirty="0"/>
+              <a:t>Formatting print statements </a:t>
+            </a:r>
+          </a:p>
+        </p:txBody>
+      </p:sp>
+    </p:spTree>
+    <p:extLst>
+      <p:ext uri="{BB962C8B-B14F-4D97-AF65-F5344CB8AC3E}">
+        <p14:creationId xmlns:p14="http://schemas.microsoft.com/office/powerpoint/2010/main" val="1085546165"/>
+      </p:ext>
+    </p:extLst>
+  </p:cSld>
+  <p:clrMapOvr>
+    <a:masterClrMapping/>
+  </p:clrMapOvr>
+</p:sld>
+</file>
+
+<file path=ppt/slides/slide20.xml><?xml version="1.0" encoding="utf-8"?>
+<p:sld xmlns:a="http://schemas.openxmlformats.org/drawingml/2006/main" xmlns:r="http://schemas.openxmlformats.org/officeDocument/2006/relationships" xmlns:p="http://schemas.openxmlformats.org/presentationml/2006/main">
   <p:cSld>
     <p:spTree>
       <p:nvGrpSpPr>
@@ -9292,8 +7562,8 @@
 </p:sld>
 </file>
 
-<file path=ppt/slides/slide27.xml><?xml version="1.0" encoding="utf-8"?>
-<p:sld xmlns:a="http://schemas.openxmlformats.org/drawingml/2006/main" xmlns:r="http://schemas.openxmlformats.org/officeDocument/2006/relationships" xmlns:p="http://schemas.openxmlformats.org/presentationml/2006/main" show="0">
+<file path=ppt/slides/slide21.xml><?xml version="1.0" encoding="utf-8"?>
+<p:sld xmlns:a="http://schemas.openxmlformats.org/drawingml/2006/main" xmlns:r="http://schemas.openxmlformats.org/officeDocument/2006/relationships" xmlns:p="http://schemas.openxmlformats.org/presentationml/2006/main">
   <p:cSld>
     <p:spTree>
       <p:nvGrpSpPr>
@@ -9491,8 +7761,8 @@
 </p:sld>
 </file>
 
-<file path=ppt/slides/slide28.xml><?xml version="1.0" encoding="utf-8"?>
-<p:sld xmlns:a="http://schemas.openxmlformats.org/drawingml/2006/main" xmlns:r="http://schemas.openxmlformats.org/officeDocument/2006/relationships" xmlns:p="http://schemas.openxmlformats.org/presentationml/2006/main" show="0">
+<file path=ppt/slides/slide22.xml><?xml version="1.0" encoding="utf-8"?>
+<p:sld xmlns:a="http://schemas.openxmlformats.org/drawingml/2006/main" xmlns:r="http://schemas.openxmlformats.org/officeDocument/2006/relationships" xmlns:p="http://schemas.openxmlformats.org/presentationml/2006/main">
   <p:cSld>
     <p:spTree>
       <p:nvGrpSpPr>
@@ -9812,7 +8082,7 @@
                 <a:latin typeface="Arial" panose="020B0604020202020204" pitchFamily="34" charset="0"/>
                 <a:cs typeface="Arial" panose="020B0604020202020204" pitchFamily="34" charset="0"/>
               </a:rPr>
-              <a:t>integer division: </a:t>
+              <a:t>floor division: </a:t>
             </a:r>
             <a:r>
               <a:rPr lang="en-US" sz="2400" dirty="0">
@@ -11020,7 +9290,31 @@
               <a:rPr lang="en-US" sz="2400" dirty="0">
                 <a:latin typeface="Courier" pitchFamily="2" charset="0"/>
               </a:rPr>
-              <a:t>max(…)</a:t>
+              <a:t>round(</a:t>
+            </a:r>
+            <a:r>
+              <a:rPr lang="en-US" sz="2400" i="1" dirty="0">
+                <a:latin typeface="Courier" pitchFamily="2" charset="0"/>
+              </a:rPr>
+              <a:t>x</a:t>
+            </a:r>
+            <a:r>
+              <a:rPr lang="en-US" sz="2400" dirty="0">
+                <a:latin typeface="Courier" pitchFamily="2" charset="0"/>
+              </a:rPr>
+              <a:t>[, </a:t>
+            </a:r>
+            <a:r>
+              <a:rPr lang="en-US" sz="2400" i="1" dirty="0">
+                <a:latin typeface="Courier" pitchFamily="2" charset="0"/>
+              </a:rPr>
+              <a:t>n</a:t>
+            </a:r>
+            <a:r>
+              <a:rPr lang="en-US" sz="2400" dirty="0">
+                <a:latin typeface="Courier" pitchFamily="2" charset="0"/>
+              </a:rPr>
+              <a:t>])</a:t>
             </a:r>
             <a:r>
               <a:rPr lang="en-US" sz="2400" dirty="0"/>
@@ -11034,19 +9328,17 @@
                   </a:schemeClr>
                 </a:solidFill>
               </a:rPr>
-              <a:t>	# return the largest of a list of numbers</a:t>
-            </a:r>
-          </a:p>
-          <a:p>
-            <a:r>
-              <a:rPr lang="en-US" sz="2400" dirty="0">
-                <a:latin typeface="Courier" pitchFamily="2" charset="0"/>
-              </a:rPr>
-              <a:t>min(…)</a:t>
-            </a:r>
-            <a:r>
-              <a:rPr lang="en-US" sz="2400" dirty="0"/>
-              <a:t> </a:t>
+              <a:t>	# return </a:t>
+            </a:r>
+            <a:r>
+              <a:rPr lang="en-US" sz="2400" i="1" dirty="0">
+                <a:solidFill>
+                  <a:schemeClr val="bg1">
+                    <a:lumMod val="75000"/>
+                  </a:schemeClr>
+                </a:solidFill>
+              </a:rPr>
+              <a:t>x</a:t>
             </a:r>
             <a:r>
               <a:rPr lang="en-US" sz="2400" dirty="0">
@@ -11056,43 +9348,17 @@
                   </a:schemeClr>
                 </a:solidFill>
               </a:rPr>
-              <a:t>	# return the smallest of a list of numbers</a:t>
-            </a:r>
-          </a:p>
-          <a:p>
-            <a:r>
-              <a:rPr lang="en-US" sz="2400" dirty="0">
-                <a:latin typeface="Courier" pitchFamily="2" charset="0"/>
-              </a:rPr>
-              <a:t>round(</a:t>
+              <a:t> rounded to </a:t>
             </a:r>
             <a:r>
               <a:rPr lang="en-US" sz="2400" i="1" dirty="0">
-                <a:latin typeface="Courier" pitchFamily="2" charset="0"/>
-              </a:rPr>
-              <a:t>x</a:t>
-            </a:r>
-            <a:r>
-              <a:rPr lang="en-US" sz="2400" dirty="0">
-                <a:latin typeface="Courier" pitchFamily="2" charset="0"/>
-              </a:rPr>
-              <a:t>[, </a:t>
-            </a:r>
-            <a:r>
-              <a:rPr lang="en-US" sz="2400" i="1" dirty="0">
-                <a:latin typeface="Courier" pitchFamily="2" charset="0"/>
-              </a:rPr>
-              <a:t>n</a:t>
-            </a:r>
-            <a:r>
-              <a:rPr lang="en-US" sz="2400" dirty="0">
-                <a:latin typeface="Courier" pitchFamily="2" charset="0"/>
-              </a:rPr>
-              <a:t>])</a:t>
-            </a:r>
-            <a:r>
-              <a:rPr lang="en-US" sz="2400" dirty="0"/>
-              <a:t> </a:t>
+                <a:solidFill>
+                  <a:schemeClr val="bg1">
+                    <a:lumMod val="75000"/>
+                  </a:schemeClr>
+                </a:solidFill>
+              </a:rPr>
+              <a:t>n </a:t>
             </a:r>
             <a:r>
               <a:rPr lang="en-US" sz="2400" dirty="0">
@@ -11102,7 +9368,7 @@
                   </a:schemeClr>
                 </a:solidFill>
               </a:rPr>
-              <a:t>	# return </a:t>
+              <a:t>digits after the 			# decimal point. If </a:t>
             </a:r>
             <a:r>
               <a:rPr lang="en-US" sz="2400" i="1" dirty="0">
@@ -11112,7 +9378,7 @@
                   </a:schemeClr>
                 </a:solidFill>
               </a:rPr>
-              <a:t>x</a:t>
+              <a:t>n</a:t>
             </a:r>
             <a:r>
               <a:rPr lang="en-US" sz="2400" dirty="0">
@@ -11122,65 +9388,7 @@
                   </a:schemeClr>
                 </a:solidFill>
               </a:rPr>
-              <a:t> rounded to </a:t>
-            </a:r>
-            <a:r>
-              <a:rPr lang="en-US" sz="2400" i="1" dirty="0">
-                <a:solidFill>
-                  <a:schemeClr val="bg1">
-                    <a:lumMod val="75000"/>
-                  </a:schemeClr>
-                </a:solidFill>
-              </a:rPr>
-              <a:t>n </a:t>
-            </a:r>
-            <a:r>
-              <a:rPr lang="en-US" sz="2400" dirty="0">
-                <a:solidFill>
-                  <a:schemeClr val="bg1">
-                    <a:lumMod val="75000"/>
-                  </a:schemeClr>
-                </a:solidFill>
-              </a:rPr>
-              <a:t>digits after the 			# decimal point. If </a:t>
-            </a:r>
-            <a:r>
-              <a:rPr lang="en-US" sz="2400" i="1" dirty="0">
-                <a:solidFill>
-                  <a:schemeClr val="bg1">
-                    <a:lumMod val="75000"/>
-                  </a:schemeClr>
-                </a:solidFill>
-              </a:rPr>
-              <a:t>n</a:t>
-            </a:r>
-            <a:r>
-              <a:rPr lang="en-US" sz="2400" dirty="0">
-                <a:solidFill>
-                  <a:schemeClr val="bg1">
-                    <a:lumMod val="75000"/>
-                  </a:schemeClr>
-                </a:solidFill>
-              </a:rPr>
               <a:t> is omitted, it 				# returns the nearest integer value</a:t>
-            </a:r>
-          </a:p>
-          <a:p>
-            <a:r>
-              <a:rPr lang="en-US" sz="2400" dirty="0">
-                <a:latin typeface="Courier" pitchFamily="2" charset="0"/>
-              </a:rPr>
-              <a:t>sum(…)</a:t>
-            </a:r>
-            <a:r>
-              <a:rPr lang="en-US" sz="2400" dirty="0">
-                <a:solidFill>
-                  <a:schemeClr val="bg1">
-                    <a:lumMod val="75000"/>
-                  </a:schemeClr>
-                </a:solidFill>
-              </a:rPr>
-              <a:t>	# return the sum of a list of numbers</a:t>
             </a:r>
           </a:p>
         </p:txBody>
@@ -11443,7 +9651,31 @@
               <a:rPr lang="en-US" sz="2400" dirty="0">
                 <a:latin typeface="Courier" pitchFamily="2" charset="0"/>
               </a:rPr>
-              <a:t>max(…)</a:t>
+              <a:t>round(</a:t>
+            </a:r>
+            <a:r>
+              <a:rPr lang="en-US" sz="2400" i="1" dirty="0">
+                <a:latin typeface="Courier" pitchFamily="2" charset="0"/>
+              </a:rPr>
+              <a:t>x</a:t>
+            </a:r>
+            <a:r>
+              <a:rPr lang="en-US" sz="2400" dirty="0">
+                <a:latin typeface="Courier" pitchFamily="2" charset="0"/>
+              </a:rPr>
+              <a:t>[, </a:t>
+            </a:r>
+            <a:r>
+              <a:rPr lang="en-US" sz="2400" i="1" dirty="0">
+                <a:latin typeface="Courier" pitchFamily="2" charset="0"/>
+              </a:rPr>
+              <a:t>n</a:t>
+            </a:r>
+            <a:r>
+              <a:rPr lang="en-US" sz="2400" dirty="0">
+                <a:latin typeface="Courier" pitchFamily="2" charset="0"/>
+              </a:rPr>
+              <a:t>])</a:t>
             </a:r>
             <a:r>
               <a:rPr lang="en-US" sz="2400" dirty="0"/>
@@ -11457,19 +9689,17 @@
                   </a:schemeClr>
                 </a:solidFill>
               </a:rPr>
-              <a:t>	# return the largest of a list of numbers</a:t>
-            </a:r>
-          </a:p>
-          <a:p>
-            <a:r>
-              <a:rPr lang="en-US" sz="2400" dirty="0">
-                <a:latin typeface="Courier" pitchFamily="2" charset="0"/>
-              </a:rPr>
-              <a:t>min(…)</a:t>
-            </a:r>
-            <a:r>
-              <a:rPr lang="en-US" sz="2400" dirty="0"/>
-              <a:t> </a:t>
+              <a:t>	# return </a:t>
+            </a:r>
+            <a:r>
+              <a:rPr lang="en-US" sz="2400" i="1" dirty="0">
+                <a:solidFill>
+                  <a:schemeClr val="bg1">
+                    <a:lumMod val="75000"/>
+                  </a:schemeClr>
+                </a:solidFill>
+              </a:rPr>
+              <a:t>x</a:t>
             </a:r>
             <a:r>
               <a:rPr lang="en-US" sz="2400" dirty="0">
@@ -11479,43 +9709,17 @@
                   </a:schemeClr>
                 </a:solidFill>
               </a:rPr>
-              <a:t>	# return the smallest of a list of numbers</a:t>
-            </a:r>
-          </a:p>
-          <a:p>
-            <a:r>
-              <a:rPr lang="en-US" sz="2400" dirty="0">
-                <a:latin typeface="Courier" pitchFamily="2" charset="0"/>
-              </a:rPr>
-              <a:t>round(</a:t>
+              <a:t> rounded to </a:t>
             </a:r>
             <a:r>
               <a:rPr lang="en-US" sz="2400" i="1" dirty="0">
-                <a:latin typeface="Courier" pitchFamily="2" charset="0"/>
-              </a:rPr>
-              <a:t>x</a:t>
-            </a:r>
-            <a:r>
-              <a:rPr lang="en-US" sz="2400" dirty="0">
-                <a:latin typeface="Courier" pitchFamily="2" charset="0"/>
-              </a:rPr>
-              <a:t>[, </a:t>
-            </a:r>
-            <a:r>
-              <a:rPr lang="en-US" sz="2400" i="1" dirty="0">
-                <a:latin typeface="Courier" pitchFamily="2" charset="0"/>
-              </a:rPr>
-              <a:t>n</a:t>
-            </a:r>
-            <a:r>
-              <a:rPr lang="en-US" sz="2400" dirty="0">
-                <a:latin typeface="Courier" pitchFamily="2" charset="0"/>
-              </a:rPr>
-              <a:t>])</a:t>
-            </a:r>
-            <a:r>
-              <a:rPr lang="en-US" sz="2400" dirty="0"/>
-              <a:t> </a:t>
+                <a:solidFill>
+                  <a:schemeClr val="bg1">
+                    <a:lumMod val="75000"/>
+                  </a:schemeClr>
+                </a:solidFill>
+              </a:rPr>
+              <a:t>n </a:t>
             </a:r>
             <a:r>
               <a:rPr lang="en-US" sz="2400" dirty="0">
@@ -11525,7 +9729,7 @@
                   </a:schemeClr>
                 </a:solidFill>
               </a:rPr>
-              <a:t>	# return </a:t>
+              <a:t>digits after the 			# decimal point. If </a:t>
             </a:r>
             <a:r>
               <a:rPr lang="en-US" sz="2400" i="1" dirty="0">
@@ -11535,7 +9739,7 @@
                   </a:schemeClr>
                 </a:solidFill>
               </a:rPr>
-              <a:t>x</a:t>
+              <a:t>n</a:t>
             </a:r>
             <a:r>
               <a:rPr lang="en-US" sz="2400" dirty="0">
@@ -11545,65 +9749,7 @@
                   </a:schemeClr>
                 </a:solidFill>
               </a:rPr>
-              <a:t> rounded to </a:t>
-            </a:r>
-            <a:r>
-              <a:rPr lang="en-US" sz="2400" i="1" dirty="0">
-                <a:solidFill>
-                  <a:schemeClr val="bg1">
-                    <a:lumMod val="75000"/>
-                  </a:schemeClr>
-                </a:solidFill>
-              </a:rPr>
-              <a:t>n </a:t>
-            </a:r>
-            <a:r>
-              <a:rPr lang="en-US" sz="2400" dirty="0">
-                <a:solidFill>
-                  <a:schemeClr val="bg1">
-                    <a:lumMod val="75000"/>
-                  </a:schemeClr>
-                </a:solidFill>
-              </a:rPr>
-              <a:t>digits after the 			# decimal point. If </a:t>
-            </a:r>
-            <a:r>
-              <a:rPr lang="en-US" sz="2400" i="1" dirty="0">
-                <a:solidFill>
-                  <a:schemeClr val="bg1">
-                    <a:lumMod val="75000"/>
-                  </a:schemeClr>
-                </a:solidFill>
-              </a:rPr>
-              <a:t>n</a:t>
-            </a:r>
-            <a:r>
-              <a:rPr lang="en-US" sz="2400" dirty="0">
-                <a:solidFill>
-                  <a:schemeClr val="bg1">
-                    <a:lumMod val="75000"/>
-                  </a:schemeClr>
-                </a:solidFill>
-              </a:rPr>
               <a:t> is omitted, it 				# returns the nearest integer value</a:t>
-            </a:r>
-          </a:p>
-          <a:p>
-            <a:r>
-              <a:rPr lang="en-US" sz="2400" dirty="0">
-                <a:latin typeface="Courier" pitchFamily="2" charset="0"/>
-              </a:rPr>
-              <a:t>sum(…)</a:t>
-            </a:r>
-            <a:r>
-              <a:rPr lang="en-US" sz="2400" dirty="0">
-                <a:solidFill>
-                  <a:schemeClr val="bg1">
-                    <a:lumMod val="75000"/>
-                  </a:schemeClr>
-                </a:solidFill>
-              </a:rPr>
-              <a:t>	# return the sum of a list of numbers</a:t>
             </a:r>
           </a:p>
         </p:txBody>
@@ -11643,7 +9789,7 @@
           <p:cNvPr id="2" name="Title 1">
             <a:extLst>
               <a:ext uri="{FF2B5EF4-FFF2-40B4-BE49-F238E27FC236}">
-                <a16:creationId xmlns:a16="http://schemas.microsoft.com/office/drawing/2014/main" id="{7B60DBDE-EF74-B947-8A46-677134B2B077}"/>
+                <a16:creationId xmlns:a16="http://schemas.microsoft.com/office/drawing/2014/main" id="{F911D8B4-24B1-AB46-AAF5-CF51DA3A5BCC}"/>
               </a:ext>
             </a:extLst>
           </p:cNvPr>
@@ -11661,24 +9807,17 @@
           <a:p>
             <a:r>
               <a:rPr lang="en-US" dirty="0"/>
-              <a:t>Aside: what does </a:t>
-            </a:r>
-            <a:r>
-              <a:rPr lang="en-US" b="1" dirty="0">
-                <a:effectLst>
-                  <a:glow rad="101600">
-                    <a:srgbClr val="FFC000">
-                      <a:alpha val="60000"/>
-                    </a:srgbClr>
-                  </a:glow>
-                </a:effectLst>
+              <a:t>The </a:t>
+            </a:r>
+            <a:r>
+              <a:rPr lang="en-US" dirty="0">
                 <a:latin typeface="Courier" pitchFamily="2" charset="0"/>
               </a:rPr>
-              <a:t>return</a:t>
+              <a:t>math</a:t>
             </a:r>
             <a:r>
               <a:rPr lang="en-US" dirty="0"/>
-              <a:t> mean?</a:t>
+              <a:t> module</a:t>
             </a:r>
           </a:p>
         </p:txBody>
@@ -11688,7 +9827,7 @@
           <p:cNvPr id="3" name="Content Placeholder 2">
             <a:extLst>
               <a:ext uri="{FF2B5EF4-FFF2-40B4-BE49-F238E27FC236}">
-                <a16:creationId xmlns:a16="http://schemas.microsoft.com/office/drawing/2014/main" id="{92933048-B90B-414F-8466-ED3E6325DDBF}"/>
+                <a16:creationId xmlns:a16="http://schemas.microsoft.com/office/drawing/2014/main" id="{D58EDDAC-2BA7-9947-ADD9-F413CE2498C3}"/>
               </a:ext>
             </a:extLst>
           </p:cNvPr>
@@ -11701,37 +9840,76 @@
         </p:nvSpPr>
         <p:spPr>
           <a:xfrm>
-            <a:off x="3869268" y="864108"/>
-            <a:ext cx="7930846" cy="5120640"/>
+            <a:off x="3563257" y="534270"/>
+            <a:ext cx="8229600" cy="5083629"/>
           </a:xfrm>
         </p:spPr>
         <p:txBody>
           <a:bodyPr anchor="t">
-            <a:normAutofit/>
+            <a:noAutofit/>
           </a:bodyPr>
           <a:lstStyle/>
           <a:p>
             <a:r>
+              <a:rPr lang="en-US" sz="2800" dirty="0"/>
+              <a:t>Lots of other things we might want to do with numerical values are available as functions in the </a:t>
+            </a:r>
+            <a:r>
+              <a:rPr lang="en-US" sz="2800" b="1" dirty="0">
+                <a:latin typeface="Courier" pitchFamily="2" charset="0"/>
+              </a:rPr>
+              <a:t>math</a:t>
+            </a:r>
+            <a:r>
+              <a:rPr lang="en-US" sz="2800" dirty="0"/>
+              <a:t> module</a:t>
+            </a:r>
+          </a:p>
+          <a:p>
+            <a:endParaRPr lang="en-US" sz="2800" dirty="0">
+              <a:latin typeface="Courier" pitchFamily="2" charset="0"/>
+            </a:endParaRPr>
+          </a:p>
+          <a:p>
+            <a:endParaRPr lang="en-US" sz="2800" dirty="0">
+              <a:latin typeface="Courier" pitchFamily="2" charset="0"/>
+            </a:endParaRPr>
+          </a:p>
+          <a:p>
+            <a:endParaRPr lang="en-US" sz="2800" dirty="0">
+              <a:latin typeface="Courier" pitchFamily="2" charset="0"/>
+            </a:endParaRPr>
+          </a:p>
+          <a:p>
+            <a:endParaRPr lang="en-US" sz="2800" dirty="0">
+              <a:latin typeface="Courier" pitchFamily="2" charset="0"/>
+            </a:endParaRPr>
+          </a:p>
+          <a:p>
+            <a:r>
+              <a:rPr lang="en-US" sz="2800" dirty="0">
+                <a:latin typeface="Courier" pitchFamily="2" charset="0"/>
+              </a:rPr>
+              <a:t>import math</a:t>
+            </a:r>
+          </a:p>
+          <a:p>
+            <a:pPr lvl="1"/>
+            <a:r>
+              <a:rPr lang="en-US" sz="2400" dirty="0" err="1">
+                <a:latin typeface="Courier" pitchFamily="2" charset="0"/>
+              </a:rPr>
+              <a:t>math.floor</a:t>
+            </a:r>
+            <a:r>
               <a:rPr lang="en-US" sz="2400" dirty="0">
                 <a:latin typeface="Courier" pitchFamily="2" charset="0"/>
               </a:rPr>
-              <a:t>abs(</a:t>
-            </a:r>
-            <a:r>
-              <a:rPr lang="en-US" sz="2400" i="1" dirty="0">
-                <a:latin typeface="Courier" pitchFamily="2" charset="0"/>
-              </a:rPr>
-              <a:t>x</a:t>
-            </a:r>
-            <a:r>
-              <a:rPr lang="en-US" sz="2400" dirty="0">
-                <a:latin typeface="Courier" pitchFamily="2" charset="0"/>
-              </a:rPr>
-              <a:t>)</a:t>
+              <a:t>(f)</a:t>
             </a:r>
             <a:r>
               <a:rPr lang="en-US" sz="2400" dirty="0"/>
-              <a:t> </a:t>
+              <a:t> 	</a:t>
             </a:r>
             <a:r>
               <a:rPr lang="en-US" sz="2400" dirty="0">
@@ -11741,19 +9919,26 @@
                   </a:schemeClr>
                 </a:solidFill>
               </a:rPr>
-              <a:t>	# </a:t>
+              <a:t># round float f down</a:t>
+            </a:r>
+          </a:p>
+          <a:p>
+            <a:pPr lvl="1"/>
+            <a:r>
+              <a:rPr lang="en-US" sz="2400" dirty="0" err="1">
+                <a:latin typeface="Courier" pitchFamily="2" charset="0"/>
+              </a:rPr>
+              <a:t>math.ceil</a:t>
             </a:r>
             <a:r>
               <a:rPr lang="en-US" sz="2400" dirty="0">
-                <a:effectLst>
-                  <a:glow rad="101600">
-                    <a:srgbClr val="FFC000">
-                      <a:alpha val="60000"/>
-                    </a:srgbClr>
-                  </a:glow>
-                </a:effectLst>
-              </a:rPr>
-              <a:t>return</a:t>
+                <a:latin typeface="Courier" pitchFamily="2" charset="0"/>
+              </a:rPr>
+              <a:t>(f)</a:t>
+            </a:r>
+            <a:r>
+              <a:rPr lang="en-US" sz="2400" dirty="0"/>
+              <a:t> 	</a:t>
             </a:r>
             <a:r>
               <a:rPr lang="en-US" sz="2400" dirty="0">
@@ -11763,19 +9948,34 @@
                   </a:schemeClr>
                 </a:solidFill>
               </a:rPr>
-              <a:t> the absolute value of x</a:t>
-            </a:r>
-          </a:p>
-          <a:p>
+              <a:t># round float f up</a:t>
+            </a:r>
+          </a:p>
+          <a:p>
+            <a:pPr lvl="1"/>
+            <a:r>
+              <a:rPr lang="en-US" sz="2400" dirty="0" err="1">
+                <a:latin typeface="Courier" pitchFamily="2" charset="0"/>
+              </a:rPr>
+              <a:t>math.sqrt</a:t>
+            </a:r>
             <a:r>
               <a:rPr lang="en-US" sz="2400" dirty="0">
                 <a:latin typeface="Courier" pitchFamily="2" charset="0"/>
               </a:rPr>
-              <a:t>float(x)</a:t>
-            </a:r>
-            <a:r>
-              <a:rPr lang="en-US" sz="2400" dirty="0"/>
-              <a:t> </a:t>
+              <a:t>(</a:t>
+            </a:r>
+            <a:r>
+              <a:rPr lang="en-US" sz="2400" i="1" dirty="0">
+                <a:latin typeface="Courier" pitchFamily="2" charset="0"/>
+              </a:rPr>
+              <a:t>x</a:t>
+            </a:r>
+            <a:r>
+              <a:rPr lang="en-US" sz="2400" dirty="0">
+                <a:latin typeface="Courier" pitchFamily="2" charset="0"/>
+              </a:rPr>
+              <a:t>) 	</a:t>
             </a:r>
             <a:r>
               <a:rPr lang="en-US" sz="2400" dirty="0">
@@ -11785,91 +9985,14 @@
                   </a:schemeClr>
                 </a:solidFill>
               </a:rPr>
-              <a:t>	# </a:t>
-            </a:r>
-            <a:r>
-              <a:rPr lang="en-US" sz="2400" dirty="0">
-                <a:effectLst>
-                  <a:glow rad="101600">
-                    <a:srgbClr val="FFC000">
-                      <a:alpha val="60000"/>
-                    </a:srgbClr>
-                  </a:glow>
-                </a:effectLst>
-              </a:rPr>
-              <a:t>return </a:t>
-            </a:r>
-            <a:r>
-              <a:rPr lang="en-US" sz="2400" dirty="0">
-                <a:solidFill>
-                  <a:schemeClr val="bg1">
-                    <a:lumMod val="75000"/>
-                  </a:schemeClr>
-                </a:solidFill>
-              </a:rPr>
-              <a:t>x parsed as a float</a:t>
-            </a:r>
-          </a:p>
-          <a:p>
-            <a:r>
-              <a:rPr lang="en-US" sz="2400" dirty="0" err="1">
-                <a:latin typeface="Courier" pitchFamily="2" charset="0"/>
-              </a:rPr>
-              <a:t>int</a:t>
-            </a:r>
-            <a:r>
-              <a:rPr lang="en-US" sz="2400" dirty="0">
-                <a:latin typeface="Courier" pitchFamily="2" charset="0"/>
-              </a:rPr>
-              <a:t>(x)</a:t>
-            </a:r>
-            <a:r>
-              <a:rPr lang="en-US" sz="2400" dirty="0"/>
-              <a:t> </a:t>
-            </a:r>
-            <a:r>
-              <a:rPr lang="en-US" sz="2400" dirty="0">
-                <a:solidFill>
-                  <a:schemeClr val="bg1">
-                    <a:lumMod val="75000"/>
-                  </a:schemeClr>
-                </a:solidFill>
-              </a:rPr>
-              <a:t>	# </a:t>
-            </a:r>
-            <a:r>
-              <a:rPr lang="en-US" sz="2400" dirty="0">
-                <a:effectLst>
-                  <a:glow rad="101600">
-                    <a:srgbClr val="FFC000">
-                      <a:alpha val="60000"/>
-                    </a:srgbClr>
-                  </a:glow>
-                </a:effectLst>
-              </a:rPr>
-              <a:t>return </a:t>
-            </a:r>
-            <a:r>
-              <a:rPr lang="en-US" sz="2400" dirty="0">
-                <a:solidFill>
-                  <a:schemeClr val="bg1">
-                    <a:lumMod val="75000"/>
-                  </a:schemeClr>
-                </a:solidFill>
-              </a:rPr>
-              <a:t>x parsed as an </a:t>
-            </a:r>
-            <a:r>
-              <a:rPr lang="en-US" sz="2400" dirty="0" err="1">
-                <a:solidFill>
-                  <a:schemeClr val="bg1">
-                    <a:lumMod val="75000"/>
-                  </a:schemeClr>
-                </a:solidFill>
-              </a:rPr>
-              <a:t>int</a:t>
-            </a:r>
-            <a:endParaRPr lang="en-US" sz="2400" dirty="0">
+              <a:t># take the square root of x</a:t>
+            </a:r>
+          </a:p>
+          <a:p>
+            <a:pPr marL="274320" lvl="1" indent="0" algn="ctr">
+              <a:buNone/>
+            </a:pPr>
+            <a:endParaRPr lang="en-US" sz="1100" dirty="0">
               <a:solidFill>
                 <a:schemeClr val="bg1">
                   <a:lumMod val="75000"/>
@@ -11878,260 +10001,313 @@
             </a:endParaRPr>
           </a:p>
           <a:p>
-            <a:r>
-              <a:rPr lang="en-US" sz="2400" dirty="0">
-                <a:latin typeface="Courier" pitchFamily="2" charset="0"/>
-              </a:rPr>
-              <a:t>max(…)</a:t>
-            </a:r>
+            <a:pPr marL="274320" lvl="1" indent="0" algn="ctr">
+              <a:buNone/>
+            </a:pPr>
             <a:r>
               <a:rPr lang="en-US" sz="2400" dirty="0"/>
-              <a:t> </a:t>
-            </a:r>
-            <a:r>
-              <a:rPr lang="en-US" sz="2400" dirty="0">
+              <a:t>And more! Check out: https://</a:t>
+            </a:r>
+            <a:r>
+              <a:rPr lang="en-US" sz="2400" dirty="0" err="1"/>
+              <a:t>docs.python.org</a:t>
+            </a:r>
+            <a:r>
+              <a:rPr lang="en-US" sz="2400" dirty="0"/>
+              <a:t>/2/library/</a:t>
+            </a:r>
+            <a:r>
+              <a:rPr lang="en-US" sz="2400" dirty="0" err="1"/>
+              <a:t>math.html</a:t>
+            </a:r>
+            <a:endParaRPr lang="en-US" sz="2400" dirty="0"/>
+          </a:p>
+          <a:p>
+            <a:pPr lvl="1"/>
+            <a:endParaRPr lang="en-US" sz="2400" dirty="0"/>
+          </a:p>
+          <a:p>
+            <a:endParaRPr lang="en-US" sz="2800" dirty="0"/>
+          </a:p>
+        </p:txBody>
+      </p:sp>
+      <p:grpSp>
+        <p:nvGrpSpPr>
+          <p:cNvPr id="6" name="Group 5">
+            <a:extLst>
+              <a:ext uri="{FF2B5EF4-FFF2-40B4-BE49-F238E27FC236}">
+                <a16:creationId xmlns:a16="http://schemas.microsoft.com/office/drawing/2014/main" id="{E51F0DB3-88E8-9C4B-A4D9-16BEDAE091C9}"/>
+              </a:ext>
+            </a:extLst>
+          </p:cNvPr>
+          <p:cNvGrpSpPr/>
+          <p:nvPr/>
+        </p:nvGrpSpPr>
+        <p:grpSpPr>
+          <a:xfrm>
+            <a:off x="4075899" y="1915886"/>
+            <a:ext cx="7204316" cy="1854114"/>
+            <a:chOff x="5116286" y="4136571"/>
+            <a:chExt cx="3938635" cy="1661478"/>
+          </a:xfrm>
+        </p:grpSpPr>
+        <p:sp>
+          <p:nvSpPr>
+            <p:cNvPr id="5" name="Rectangle 4">
+              <a:extLst>
+                <a:ext uri="{FF2B5EF4-FFF2-40B4-BE49-F238E27FC236}">
+                  <a16:creationId xmlns:a16="http://schemas.microsoft.com/office/drawing/2014/main" id="{CB01589A-AF6D-2C47-A359-6797A74A6044}"/>
+                </a:ext>
+              </a:extLst>
+            </p:cNvPr>
+            <p:cNvSpPr/>
+            <p:nvPr/>
+          </p:nvSpPr>
+          <p:spPr>
+            <a:xfrm>
+              <a:off x="5116286" y="4136571"/>
+              <a:ext cx="3938635" cy="1661478"/>
+            </a:xfrm>
+            <a:prstGeom prst="rect">
+              <a:avLst/>
+            </a:prstGeom>
+            <a:solidFill>
+              <a:schemeClr val="bg1">
+                <a:lumMod val="95000"/>
+              </a:schemeClr>
+            </a:solidFill>
+            <a:ln>
+              <a:solidFill>
+                <a:srgbClr val="2E3B4B"/>
+              </a:solidFill>
+            </a:ln>
+          </p:spPr>
+          <p:style>
+            <a:lnRef idx="2">
+              <a:schemeClr val="accent1">
+                <a:shade val="50000"/>
+              </a:schemeClr>
+            </a:lnRef>
+            <a:fillRef idx="1">
+              <a:schemeClr val="accent1"/>
+            </a:fillRef>
+            <a:effectRef idx="0">
+              <a:schemeClr val="accent1"/>
+            </a:effectRef>
+            <a:fontRef idx="minor">
+              <a:schemeClr val="lt1"/>
+            </a:fontRef>
+          </p:style>
+          <p:txBody>
+            <a:bodyPr rtlCol="0" anchor="ctr"/>
+            <a:lstStyle/>
+            <a:p>
+              <a:pPr algn="ctr"/>
+              <a:endParaRPr lang="en-US" dirty="0"/>
+            </a:p>
+          </p:txBody>
+        </p:sp>
+        <p:sp>
+          <p:nvSpPr>
+            <p:cNvPr id="4" name="Rectangle 3">
+              <a:extLst>
+                <a:ext uri="{FF2B5EF4-FFF2-40B4-BE49-F238E27FC236}">
+                  <a16:creationId xmlns:a16="http://schemas.microsoft.com/office/drawing/2014/main" id="{53BA202B-604E-8241-9230-079A9A0EE524}"/>
+                </a:ext>
+              </a:extLst>
+            </p:cNvPr>
+            <p:cNvSpPr/>
+            <p:nvPr/>
+          </p:nvSpPr>
+          <p:spPr>
+            <a:xfrm>
+              <a:off x="5116286" y="4242151"/>
+              <a:ext cx="3831775" cy="1461738"/>
+            </a:xfrm>
+            <a:prstGeom prst="rect">
+              <a:avLst/>
+            </a:prstGeom>
+          </p:spPr>
+          <p:txBody>
+            <a:bodyPr wrap="square">
+              <a:spAutoFit/>
+            </a:bodyPr>
+            <a:lstStyle/>
+            <a:p>
+              <a:pPr marL="285750" indent="-222250">
+                <a:spcBef>
+                  <a:spcPts val="1200"/>
+                </a:spcBef>
+                <a:buFont typeface="Arial" panose="020B0604020202020204" pitchFamily="34" charset="0"/>
+                <a:buChar char="•"/>
+              </a:pPr>
+              <a:r>
+                <a:rPr lang="en-US" altLang="en-US" sz="2000" dirty="0">
+                  <a:solidFill>
+                    <a:schemeClr val="bg1">
+                      <a:lumMod val="50000"/>
+                    </a:schemeClr>
+                  </a:solidFill>
+                </a:rPr>
+                <a:t>In Python, modules are just files containing Python definitions and statements (ex. </a:t>
+              </a:r>
+              <a:r>
+                <a:rPr lang="en-US" altLang="en-US" sz="2000" b="1" i="1" dirty="0" err="1">
+                  <a:solidFill>
+                    <a:schemeClr val="bg1">
+                      <a:lumMod val="50000"/>
+                    </a:schemeClr>
+                  </a:solidFill>
+                  <a:latin typeface="Courier" pitchFamily="2" charset="0"/>
+                </a:rPr>
+                <a:t>name</a:t>
+              </a:r>
+              <a:r>
+                <a:rPr lang="en-US" altLang="en-US" sz="2000" b="1" dirty="0" err="1">
+                  <a:solidFill>
+                    <a:schemeClr val="bg1">
+                      <a:lumMod val="50000"/>
+                    </a:schemeClr>
+                  </a:solidFill>
+                  <a:latin typeface="Courier" pitchFamily="2" charset="0"/>
+                </a:rPr>
+                <a:t>.py</a:t>
+              </a:r>
+              <a:r>
+                <a:rPr lang="en-US" altLang="en-US" sz="2000" dirty="0">
+                  <a:solidFill>
+                    <a:schemeClr val="bg1">
+                      <a:lumMod val="50000"/>
+                    </a:schemeClr>
+                  </a:solidFill>
+                </a:rPr>
+                <a:t>)</a:t>
+              </a:r>
+            </a:p>
+            <a:p>
+              <a:pPr marL="285750" indent="-222250">
+                <a:spcBef>
+                  <a:spcPts val="1200"/>
+                </a:spcBef>
+                <a:buFont typeface="Arial" panose="020B0604020202020204" pitchFamily="34" charset="0"/>
+                <a:buChar char="•"/>
+              </a:pPr>
+              <a:r>
+                <a:rPr lang="en-US" altLang="en-US" sz="2000" dirty="0">
+                  <a:solidFill>
+                    <a:schemeClr val="bg1">
+                      <a:lumMod val="50000"/>
+                    </a:schemeClr>
+                  </a:solidFill>
+                </a:rPr>
+                <a:t>These can be imported using </a:t>
+              </a:r>
+              <a:r>
+                <a:rPr lang="en-US" altLang="en-US" sz="2000" b="1" dirty="0">
+                  <a:solidFill>
+                    <a:schemeClr val="bg1">
+                      <a:lumMod val="50000"/>
+                    </a:schemeClr>
+                  </a:solidFill>
+                  <a:latin typeface="Courier" pitchFamily="2" charset="0"/>
+                </a:rPr>
+                <a:t>import </a:t>
+              </a:r>
+              <a:r>
+                <a:rPr lang="en-US" altLang="en-US" sz="2000" b="1" i="1" dirty="0">
+                  <a:solidFill>
+                    <a:schemeClr val="bg1">
+                      <a:lumMod val="50000"/>
+                    </a:schemeClr>
+                  </a:solidFill>
+                  <a:latin typeface="Courier" pitchFamily="2" charset="0"/>
+                </a:rPr>
+                <a:t>name</a:t>
+              </a:r>
+              <a:endParaRPr lang="en-US" altLang="en-US" sz="2000" dirty="0">
                 <a:solidFill>
                   <a:schemeClr val="bg1">
-                    <a:lumMod val="75000"/>
+                    <a:lumMod val="50000"/>
                   </a:schemeClr>
                 </a:solidFill>
-              </a:rPr>
-              <a:t>	# </a:t>
-            </a:r>
-            <a:r>
-              <a:rPr lang="en-US" sz="2400" dirty="0">
-                <a:effectLst>
-                  <a:glow rad="101600">
-                    <a:srgbClr val="FFC000">
-                      <a:alpha val="60000"/>
-                    </a:srgbClr>
-                  </a:glow>
-                </a:effectLst>
-              </a:rPr>
-              <a:t>return</a:t>
-            </a:r>
-            <a:r>
-              <a:rPr lang="en-US" sz="2400" dirty="0">
+              </a:endParaRPr>
+            </a:p>
+            <a:p>
+              <a:pPr marL="285750" indent="-222250">
+                <a:spcBef>
+                  <a:spcPts val="1200"/>
+                </a:spcBef>
+                <a:buFont typeface="Arial" panose="020B0604020202020204" pitchFamily="34" charset="0"/>
+                <a:buChar char="•"/>
+              </a:pPr>
+              <a:r>
+                <a:rPr lang="en-US" altLang="en-US" sz="2000" dirty="0">
+                  <a:solidFill>
+                    <a:schemeClr val="bg1">
+                      <a:lumMod val="50000"/>
+                    </a:schemeClr>
+                  </a:solidFill>
+                </a:rPr>
+                <a:t>To access </a:t>
+              </a:r>
+              <a:r>
+                <a:rPr lang="en-US" altLang="en-US" sz="2000" b="1" dirty="0">
+                  <a:solidFill>
+                    <a:schemeClr val="bg1">
+                      <a:lumMod val="50000"/>
+                    </a:schemeClr>
+                  </a:solidFill>
+                  <a:latin typeface="Courier" pitchFamily="2" charset="0"/>
+                </a:rPr>
+                <a:t>name</a:t>
+              </a:r>
+              <a:r>
+                <a:rPr lang="en-US" altLang="en-US" sz="2000" dirty="0">
+                  <a:solidFill>
+                    <a:schemeClr val="bg1">
+                      <a:lumMod val="50000"/>
+                    </a:schemeClr>
+                  </a:solidFill>
+                </a:rPr>
+                <a:t>’s functions, type </a:t>
+              </a:r>
+              <a:r>
+                <a:rPr lang="en-US" altLang="en-US" sz="2000" b="1" i="1" dirty="0" err="1">
+                  <a:solidFill>
+                    <a:schemeClr val="bg1">
+                      <a:lumMod val="50000"/>
+                    </a:schemeClr>
+                  </a:solidFill>
+                  <a:latin typeface="Courier" pitchFamily="2" charset="0"/>
+                </a:rPr>
+                <a:t>name.function</a:t>
+              </a:r>
+              <a:r>
+                <a:rPr lang="en-US" altLang="en-US" sz="2000" b="1" i="1" dirty="0">
+                  <a:solidFill>
+                    <a:schemeClr val="bg1">
+                      <a:lumMod val="50000"/>
+                    </a:schemeClr>
+                  </a:solidFill>
+                  <a:latin typeface="Courier" pitchFamily="2" charset="0"/>
+                </a:rPr>
+                <a:t>()</a:t>
+              </a:r>
+              <a:endParaRPr lang="en-US" sz="2000" b="1" dirty="0">
                 <a:solidFill>
                   <a:schemeClr val="bg1">
-                    <a:lumMod val="75000"/>
+                    <a:lumMod val="50000"/>
                   </a:schemeClr>
                 </a:solidFill>
-              </a:rPr>
-              <a:t> the largest of a list of numbers</a:t>
-            </a:r>
-          </a:p>
-          <a:p>
-            <a:r>
-              <a:rPr lang="en-US" sz="2400" dirty="0">
-                <a:latin typeface="Courier" pitchFamily="2" charset="0"/>
-              </a:rPr>
-              <a:t>min(…)</a:t>
-            </a:r>
-            <a:r>
-              <a:rPr lang="en-US" sz="2400" dirty="0"/>
-              <a:t> </a:t>
-            </a:r>
-            <a:r>
-              <a:rPr lang="en-US" sz="2400" dirty="0">
-                <a:solidFill>
-                  <a:schemeClr val="bg1">
-                    <a:lumMod val="75000"/>
-                  </a:schemeClr>
-                </a:solidFill>
-              </a:rPr>
-              <a:t>	# </a:t>
-            </a:r>
-            <a:r>
-              <a:rPr lang="en-US" sz="2400" dirty="0">
-                <a:effectLst>
-                  <a:glow rad="101600">
-                    <a:srgbClr val="FFC000">
-                      <a:alpha val="60000"/>
-                    </a:srgbClr>
-                  </a:glow>
-                </a:effectLst>
-              </a:rPr>
-              <a:t>return</a:t>
-            </a:r>
-            <a:r>
-              <a:rPr lang="en-US" sz="2400" dirty="0">
-                <a:solidFill>
-                  <a:schemeClr val="bg1">
-                    <a:lumMod val="75000"/>
-                  </a:schemeClr>
-                </a:solidFill>
-              </a:rPr>
-              <a:t> the smallest of a list of numbers</a:t>
-            </a:r>
-          </a:p>
-          <a:p>
-            <a:r>
-              <a:rPr lang="en-US" sz="2400" dirty="0">
-                <a:latin typeface="Courier" pitchFamily="2" charset="0"/>
-              </a:rPr>
-              <a:t>round(</a:t>
-            </a:r>
-            <a:r>
-              <a:rPr lang="en-US" sz="2400" i="1" dirty="0">
-                <a:latin typeface="Courier" pitchFamily="2" charset="0"/>
-              </a:rPr>
-              <a:t>x</a:t>
-            </a:r>
-            <a:r>
-              <a:rPr lang="en-US" sz="2400" dirty="0">
-                <a:latin typeface="Courier" pitchFamily="2" charset="0"/>
-              </a:rPr>
-              <a:t>[, </a:t>
-            </a:r>
-            <a:r>
-              <a:rPr lang="en-US" sz="2400" i="1" dirty="0">
-                <a:latin typeface="Courier" pitchFamily="2" charset="0"/>
-              </a:rPr>
-              <a:t>n</a:t>
-            </a:r>
-            <a:r>
-              <a:rPr lang="en-US" sz="2400" dirty="0">
-                <a:latin typeface="Courier" pitchFamily="2" charset="0"/>
-              </a:rPr>
-              <a:t>])</a:t>
-            </a:r>
-            <a:r>
-              <a:rPr lang="en-US" sz="2400" dirty="0"/>
-              <a:t> </a:t>
-            </a:r>
-            <a:r>
-              <a:rPr lang="en-US" sz="2400" dirty="0">
-                <a:solidFill>
-                  <a:schemeClr val="bg1">
-                    <a:lumMod val="75000"/>
-                  </a:schemeClr>
-                </a:solidFill>
-              </a:rPr>
-              <a:t>	# </a:t>
-            </a:r>
-            <a:r>
-              <a:rPr lang="en-US" sz="2400" dirty="0">
-                <a:effectLst>
-                  <a:glow rad="101600">
-                    <a:srgbClr val="FFC000">
-                      <a:alpha val="60000"/>
-                    </a:srgbClr>
-                  </a:glow>
-                </a:effectLst>
-              </a:rPr>
-              <a:t>return </a:t>
-            </a:r>
-            <a:r>
-              <a:rPr lang="en-US" sz="2400" i="1" dirty="0">
-                <a:solidFill>
-                  <a:schemeClr val="bg1">
-                    <a:lumMod val="75000"/>
-                  </a:schemeClr>
-                </a:solidFill>
-              </a:rPr>
-              <a:t>x</a:t>
-            </a:r>
-            <a:r>
-              <a:rPr lang="en-US" sz="2400" dirty="0">
-                <a:solidFill>
-                  <a:schemeClr val="bg1">
-                    <a:lumMod val="75000"/>
-                  </a:schemeClr>
-                </a:solidFill>
-              </a:rPr>
-              <a:t> rounded to </a:t>
-            </a:r>
-            <a:r>
-              <a:rPr lang="en-US" sz="2400" i="1" dirty="0">
-                <a:solidFill>
-                  <a:schemeClr val="bg1">
-                    <a:lumMod val="75000"/>
-                  </a:schemeClr>
-                </a:solidFill>
-              </a:rPr>
-              <a:t>n </a:t>
-            </a:r>
-            <a:r>
-              <a:rPr lang="en-US" sz="2400" dirty="0">
-                <a:solidFill>
-                  <a:schemeClr val="bg1">
-                    <a:lumMod val="75000"/>
-                  </a:schemeClr>
-                </a:solidFill>
-              </a:rPr>
-              <a:t>digits after the 			# decimal point. If </a:t>
-            </a:r>
-            <a:r>
-              <a:rPr lang="en-US" sz="2400" i="1" dirty="0">
-                <a:solidFill>
-                  <a:schemeClr val="bg1">
-                    <a:lumMod val="75000"/>
-                  </a:schemeClr>
-                </a:solidFill>
-              </a:rPr>
-              <a:t>n</a:t>
-            </a:r>
-            <a:r>
-              <a:rPr lang="en-US" sz="2400" dirty="0">
-                <a:solidFill>
-                  <a:schemeClr val="bg1">
-                    <a:lumMod val="75000"/>
-                  </a:schemeClr>
-                </a:solidFill>
-              </a:rPr>
-              <a:t> is omitted, it 				# returns the nearest integer value</a:t>
-            </a:r>
-          </a:p>
-          <a:p>
-            <a:r>
-              <a:rPr lang="en-US" sz="2400" dirty="0">
-                <a:latin typeface="Courier" pitchFamily="2" charset="0"/>
-              </a:rPr>
-              <a:t>sum(…)</a:t>
-            </a:r>
-            <a:r>
-              <a:rPr lang="en-US" sz="2400" dirty="0">
-                <a:solidFill>
-                  <a:schemeClr val="bg1">
-                    <a:lumMod val="75000"/>
-                  </a:schemeClr>
-                </a:solidFill>
-              </a:rPr>
-              <a:t>	# </a:t>
-            </a:r>
-            <a:r>
-              <a:rPr lang="en-US" sz="2400" dirty="0">
-                <a:effectLst>
-                  <a:glow rad="101600">
-                    <a:srgbClr val="FFC000">
-                      <a:alpha val="60000"/>
-                    </a:srgbClr>
-                  </a:glow>
-                </a:effectLst>
-              </a:rPr>
-              <a:t>return</a:t>
-            </a:r>
-            <a:r>
-              <a:rPr lang="en-US" sz="2400" dirty="0">
-                <a:solidFill>
-                  <a:schemeClr val="bg1">
-                    <a:lumMod val="75000"/>
-                  </a:schemeClr>
-                </a:solidFill>
-              </a:rPr>
-              <a:t> the sum of a list of numbers</a:t>
-            </a:r>
-          </a:p>
-          <a:p>
-            <a:endParaRPr lang="en-US" sz="2400" dirty="0"/>
-          </a:p>
-        </p:txBody>
-      </p:sp>
+              </a:endParaRPr>
+            </a:p>
+          </p:txBody>
+        </p:sp>
+      </p:grpSp>
     </p:spTree>
     <p:extLst>
       <p:ext uri="{BB962C8B-B14F-4D97-AF65-F5344CB8AC3E}">
-        <p14:creationId xmlns:p14="http://schemas.microsoft.com/office/powerpoint/2010/main" val="3708675177"/>
+        <p14:creationId xmlns:p14="http://schemas.microsoft.com/office/powerpoint/2010/main" val="4228958399"/>
       </p:ext>
     </p:extLst>
   </p:cSld>
